--- a/Documentatie/Powerpoints/02_12_2021.pptx
+++ b/Documentatie/Powerpoints/02_12_2021.pptx
@@ -56,7 +56,7 @@
       </p:grpSpPr>
       <p:sp>
         <p:nvSpPr>
-          <p:cNvPr id="48" name="PlaceHolder 1"/>
+          <p:cNvPr id="45" name="PlaceHolder 1"/>
           <p:cNvSpPr>
             <a:spLocks noGrp="1"/>
           </p:cNvSpPr>
@@ -66,8 +66,8 @@
         </p:nvSpPr>
         <p:spPr>
           <a:xfrm>
-            <a:off x="677160" y="609480"/>
-            <a:ext cx="8596440" cy="1320480"/>
+            <a:off x="609480" y="273600"/>
+            <a:ext cx="10972440" cy="1144800"/>
           </a:xfrm>
           <a:prstGeom prst="rect">
             <a:avLst/>
@@ -78,18 +78,16 @@
             <a:noAutofit/>
           </a:bodyPr>
           <a:p>
-            <a:endParaRPr b="0" lang="en-US" sz="1800" spc="-1" strike="noStrike">
-              <a:solidFill>
-                <a:srgbClr val="000000"/>
-              </a:solidFill>
-              <a:latin typeface="Trebuchet MS"/>
-            </a:endParaRPr>
-          </a:p>
-        </p:txBody>
-      </p:sp>
-      <p:sp>
-        <p:nvSpPr>
-          <p:cNvPr id="49" name="PlaceHolder 2"/>
+            <a:pPr algn="ctr"/>
+            <a:endParaRPr b="0" lang="en-GB" sz="4400" spc="-1" strike="noStrike">
+              <a:latin typeface="Arial"/>
+            </a:endParaRPr>
+          </a:p>
+        </p:txBody>
+      </p:sp>
+      <p:sp>
+        <p:nvSpPr>
+          <p:cNvPr id="46" name="PlaceHolder 2"/>
           <p:cNvSpPr>
             <a:spLocks noGrp="1"/>
           </p:cNvSpPr>
@@ -99,8 +97,8 @@
         </p:nvSpPr>
         <p:spPr>
           <a:xfrm>
-            <a:off x="677160" y="2160720"/>
-            <a:ext cx="8596440" cy="1850760"/>
+            <a:off x="609480" y="1604520"/>
+            <a:ext cx="10972440" cy="1896840"/>
           </a:xfrm>
           <a:prstGeom prst="rect">
             <a:avLst/>
@@ -111,18 +109,15 @@
             <a:normAutofit/>
           </a:bodyPr>
           <a:p>
-            <a:endParaRPr b="0" lang="en-US" sz="1800" spc="-1" strike="noStrike">
-              <a:solidFill>
-                <a:srgbClr val="404040"/>
-              </a:solidFill>
-              <a:latin typeface="Trebuchet MS"/>
-            </a:endParaRPr>
-          </a:p>
-        </p:txBody>
-      </p:sp>
-      <p:sp>
-        <p:nvSpPr>
-          <p:cNvPr id="50" name="PlaceHolder 3"/>
+            <a:endParaRPr b="0" lang="en-GB" sz="3200" spc="-1" strike="noStrike">
+              <a:latin typeface="Arial"/>
+            </a:endParaRPr>
+          </a:p>
+        </p:txBody>
+      </p:sp>
+      <p:sp>
+        <p:nvSpPr>
+          <p:cNvPr id="47" name="PlaceHolder 3"/>
           <p:cNvSpPr>
             <a:spLocks noGrp="1"/>
           </p:cNvSpPr>
@@ -132,8 +127,8 @@
         </p:nvSpPr>
         <p:spPr>
           <a:xfrm>
-            <a:off x="677160" y="4187520"/>
-            <a:ext cx="8596440" cy="1850760"/>
+            <a:off x="609480" y="3682080"/>
+            <a:ext cx="10972440" cy="1896840"/>
           </a:xfrm>
           <a:prstGeom prst="rect">
             <a:avLst/>
@@ -144,11 +139,8 @@
             <a:normAutofit/>
           </a:bodyPr>
           <a:p>
-            <a:endParaRPr b="0" lang="en-US" sz="1800" spc="-1" strike="noStrike">
-              <a:solidFill>
-                <a:srgbClr val="404040"/>
-              </a:solidFill>
-              <a:latin typeface="Trebuchet MS"/>
+            <a:endParaRPr b="0" lang="en-GB" sz="3200" spc="-1" strike="noStrike">
+              <a:latin typeface="Arial"/>
             </a:endParaRPr>
           </a:p>
         </p:txBody>
@@ -177,7 +169,7 @@
       </p:grpSpPr>
       <p:sp>
         <p:nvSpPr>
-          <p:cNvPr id="51" name="PlaceHolder 1"/>
+          <p:cNvPr id="48" name="PlaceHolder 1"/>
           <p:cNvSpPr>
             <a:spLocks noGrp="1"/>
           </p:cNvSpPr>
@@ -187,8 +179,8 @@
         </p:nvSpPr>
         <p:spPr>
           <a:xfrm>
-            <a:off x="677160" y="609480"/>
-            <a:ext cx="8596440" cy="1320480"/>
+            <a:off x="609480" y="273600"/>
+            <a:ext cx="10972440" cy="1144800"/>
           </a:xfrm>
           <a:prstGeom prst="rect">
             <a:avLst/>
@@ -199,18 +191,16 @@
             <a:noAutofit/>
           </a:bodyPr>
           <a:p>
-            <a:endParaRPr b="0" lang="en-US" sz="1800" spc="-1" strike="noStrike">
-              <a:solidFill>
-                <a:srgbClr val="000000"/>
-              </a:solidFill>
-              <a:latin typeface="Trebuchet MS"/>
-            </a:endParaRPr>
-          </a:p>
-        </p:txBody>
-      </p:sp>
-      <p:sp>
-        <p:nvSpPr>
-          <p:cNvPr id="52" name="PlaceHolder 2"/>
+            <a:pPr algn="ctr"/>
+            <a:endParaRPr b="0" lang="en-GB" sz="4400" spc="-1" strike="noStrike">
+              <a:latin typeface="Arial"/>
+            </a:endParaRPr>
+          </a:p>
+        </p:txBody>
+      </p:sp>
+      <p:sp>
+        <p:nvSpPr>
+          <p:cNvPr id="49" name="PlaceHolder 2"/>
           <p:cNvSpPr>
             <a:spLocks noGrp="1"/>
           </p:cNvSpPr>
@@ -220,8 +210,8 @@
         </p:nvSpPr>
         <p:spPr>
           <a:xfrm>
-            <a:off x="677160" y="2160720"/>
-            <a:ext cx="4194720" cy="1850760"/>
+            <a:off x="609480" y="1604520"/>
+            <a:ext cx="5354280" cy="1896840"/>
           </a:xfrm>
           <a:prstGeom prst="rect">
             <a:avLst/>
@@ -232,18 +222,15 @@
             <a:normAutofit/>
           </a:bodyPr>
           <a:p>
-            <a:endParaRPr b="0" lang="en-US" sz="1800" spc="-1" strike="noStrike">
-              <a:solidFill>
-                <a:srgbClr val="404040"/>
-              </a:solidFill>
-              <a:latin typeface="Trebuchet MS"/>
-            </a:endParaRPr>
-          </a:p>
-        </p:txBody>
-      </p:sp>
-      <p:sp>
-        <p:nvSpPr>
-          <p:cNvPr id="53" name="PlaceHolder 3"/>
+            <a:endParaRPr b="0" lang="en-GB" sz="3200" spc="-1" strike="noStrike">
+              <a:latin typeface="Arial"/>
+            </a:endParaRPr>
+          </a:p>
+        </p:txBody>
+      </p:sp>
+      <p:sp>
+        <p:nvSpPr>
+          <p:cNvPr id="50" name="PlaceHolder 3"/>
           <p:cNvSpPr>
             <a:spLocks noGrp="1"/>
           </p:cNvSpPr>
@@ -253,8 +240,8 @@
         </p:nvSpPr>
         <p:spPr>
           <a:xfrm>
-            <a:off x="5082120" y="2160720"/>
-            <a:ext cx="4194720" cy="1850760"/>
+            <a:off x="6231960" y="1604520"/>
+            <a:ext cx="5354280" cy="1896840"/>
           </a:xfrm>
           <a:prstGeom prst="rect">
             <a:avLst/>
@@ -265,18 +252,15 @@
             <a:normAutofit/>
           </a:bodyPr>
           <a:p>
-            <a:endParaRPr b="0" lang="en-US" sz="1800" spc="-1" strike="noStrike">
-              <a:solidFill>
-                <a:srgbClr val="404040"/>
-              </a:solidFill>
-              <a:latin typeface="Trebuchet MS"/>
-            </a:endParaRPr>
-          </a:p>
-        </p:txBody>
-      </p:sp>
-      <p:sp>
-        <p:nvSpPr>
-          <p:cNvPr id="54" name="PlaceHolder 4"/>
+            <a:endParaRPr b="0" lang="en-GB" sz="3200" spc="-1" strike="noStrike">
+              <a:latin typeface="Arial"/>
+            </a:endParaRPr>
+          </a:p>
+        </p:txBody>
+      </p:sp>
+      <p:sp>
+        <p:nvSpPr>
+          <p:cNvPr id="51" name="PlaceHolder 4"/>
           <p:cNvSpPr>
             <a:spLocks noGrp="1"/>
           </p:cNvSpPr>
@@ -286,8 +270,8 @@
         </p:nvSpPr>
         <p:spPr>
           <a:xfrm>
-            <a:off x="677160" y="4187520"/>
-            <a:ext cx="4194720" cy="1850760"/>
+            <a:off x="609480" y="3682080"/>
+            <a:ext cx="5354280" cy="1896840"/>
           </a:xfrm>
           <a:prstGeom prst="rect">
             <a:avLst/>
@@ -298,18 +282,15 @@
             <a:normAutofit/>
           </a:bodyPr>
           <a:p>
-            <a:endParaRPr b="0" lang="en-US" sz="1800" spc="-1" strike="noStrike">
-              <a:solidFill>
-                <a:srgbClr val="404040"/>
-              </a:solidFill>
-              <a:latin typeface="Trebuchet MS"/>
-            </a:endParaRPr>
-          </a:p>
-        </p:txBody>
-      </p:sp>
-      <p:sp>
-        <p:nvSpPr>
-          <p:cNvPr id="55" name="PlaceHolder 5"/>
+            <a:endParaRPr b="0" lang="en-GB" sz="3200" spc="-1" strike="noStrike">
+              <a:latin typeface="Arial"/>
+            </a:endParaRPr>
+          </a:p>
+        </p:txBody>
+      </p:sp>
+      <p:sp>
+        <p:nvSpPr>
+          <p:cNvPr id="52" name="PlaceHolder 5"/>
           <p:cNvSpPr>
             <a:spLocks noGrp="1"/>
           </p:cNvSpPr>
@@ -319,8 +300,8 @@
         </p:nvSpPr>
         <p:spPr>
           <a:xfrm>
-            <a:off x="5082120" y="4187520"/>
-            <a:ext cx="4194720" cy="1850760"/>
+            <a:off x="6231960" y="3682080"/>
+            <a:ext cx="5354280" cy="1896840"/>
           </a:xfrm>
           <a:prstGeom prst="rect">
             <a:avLst/>
@@ -331,11 +312,8 @@
             <a:normAutofit/>
           </a:bodyPr>
           <a:p>
-            <a:endParaRPr b="0" lang="en-US" sz="1800" spc="-1" strike="noStrike">
-              <a:solidFill>
-                <a:srgbClr val="404040"/>
-              </a:solidFill>
-              <a:latin typeface="Trebuchet MS"/>
+            <a:endParaRPr b="0" lang="en-GB" sz="3200" spc="-1" strike="noStrike">
+              <a:latin typeface="Arial"/>
             </a:endParaRPr>
           </a:p>
         </p:txBody>
@@ -364,7 +342,7 @@
       </p:grpSpPr>
       <p:sp>
         <p:nvSpPr>
-          <p:cNvPr id="56" name="PlaceHolder 1"/>
+          <p:cNvPr id="53" name="PlaceHolder 1"/>
           <p:cNvSpPr>
             <a:spLocks noGrp="1"/>
           </p:cNvSpPr>
@@ -374,8 +352,8 @@
         </p:nvSpPr>
         <p:spPr>
           <a:xfrm>
-            <a:off x="677160" y="609480"/>
-            <a:ext cx="8596440" cy="1320480"/>
+            <a:off x="609480" y="273600"/>
+            <a:ext cx="10972440" cy="1144800"/>
           </a:xfrm>
           <a:prstGeom prst="rect">
             <a:avLst/>
@@ -386,18 +364,16 @@
             <a:noAutofit/>
           </a:bodyPr>
           <a:p>
-            <a:endParaRPr b="0" lang="en-US" sz="1800" spc="-1" strike="noStrike">
-              <a:solidFill>
-                <a:srgbClr val="000000"/>
-              </a:solidFill>
-              <a:latin typeface="Trebuchet MS"/>
-            </a:endParaRPr>
-          </a:p>
-        </p:txBody>
-      </p:sp>
-      <p:sp>
-        <p:nvSpPr>
-          <p:cNvPr id="57" name="PlaceHolder 2"/>
+            <a:pPr algn="ctr"/>
+            <a:endParaRPr b="0" lang="en-GB" sz="4400" spc="-1" strike="noStrike">
+              <a:latin typeface="Arial"/>
+            </a:endParaRPr>
+          </a:p>
+        </p:txBody>
+      </p:sp>
+      <p:sp>
+        <p:nvSpPr>
+          <p:cNvPr id="54" name="PlaceHolder 2"/>
           <p:cNvSpPr>
             <a:spLocks noGrp="1"/>
           </p:cNvSpPr>
@@ -407,8 +383,8 @@
         </p:nvSpPr>
         <p:spPr>
           <a:xfrm>
-            <a:off x="677160" y="2160720"/>
-            <a:ext cx="2767680" cy="1850760"/>
+            <a:off x="609480" y="1604520"/>
+            <a:ext cx="3533040" cy="1896840"/>
           </a:xfrm>
           <a:prstGeom prst="rect">
             <a:avLst/>
@@ -419,18 +395,15 @@
             <a:normAutofit/>
           </a:bodyPr>
           <a:p>
-            <a:endParaRPr b="0" lang="en-US" sz="1800" spc="-1" strike="noStrike">
-              <a:solidFill>
-                <a:srgbClr val="404040"/>
-              </a:solidFill>
-              <a:latin typeface="Trebuchet MS"/>
-            </a:endParaRPr>
-          </a:p>
-        </p:txBody>
-      </p:sp>
-      <p:sp>
-        <p:nvSpPr>
-          <p:cNvPr id="58" name="PlaceHolder 3"/>
+            <a:endParaRPr b="0" lang="en-GB" sz="3200" spc="-1" strike="noStrike">
+              <a:latin typeface="Arial"/>
+            </a:endParaRPr>
+          </a:p>
+        </p:txBody>
+      </p:sp>
+      <p:sp>
+        <p:nvSpPr>
+          <p:cNvPr id="55" name="PlaceHolder 3"/>
           <p:cNvSpPr>
             <a:spLocks noGrp="1"/>
           </p:cNvSpPr>
@@ -440,8 +413,8 @@
         </p:nvSpPr>
         <p:spPr>
           <a:xfrm>
-            <a:off x="3583440" y="2160720"/>
-            <a:ext cx="2767680" cy="1850760"/>
+            <a:off x="4319640" y="1604520"/>
+            <a:ext cx="3533040" cy="1896840"/>
           </a:xfrm>
           <a:prstGeom prst="rect">
             <a:avLst/>
@@ -452,18 +425,15 @@
             <a:normAutofit/>
           </a:bodyPr>
           <a:p>
-            <a:endParaRPr b="0" lang="en-US" sz="1800" spc="-1" strike="noStrike">
-              <a:solidFill>
-                <a:srgbClr val="404040"/>
-              </a:solidFill>
-              <a:latin typeface="Trebuchet MS"/>
-            </a:endParaRPr>
-          </a:p>
-        </p:txBody>
-      </p:sp>
-      <p:sp>
-        <p:nvSpPr>
-          <p:cNvPr id="59" name="PlaceHolder 4"/>
+            <a:endParaRPr b="0" lang="en-GB" sz="3200" spc="-1" strike="noStrike">
+              <a:latin typeface="Arial"/>
+            </a:endParaRPr>
+          </a:p>
+        </p:txBody>
+      </p:sp>
+      <p:sp>
+        <p:nvSpPr>
+          <p:cNvPr id="56" name="PlaceHolder 4"/>
           <p:cNvSpPr>
             <a:spLocks noGrp="1"/>
           </p:cNvSpPr>
@@ -473,8 +443,8 @@
         </p:nvSpPr>
         <p:spPr>
           <a:xfrm>
-            <a:off x="6490080" y="2160720"/>
-            <a:ext cx="2767680" cy="1850760"/>
+            <a:off x="8029800" y="1604520"/>
+            <a:ext cx="3533040" cy="1896840"/>
           </a:xfrm>
           <a:prstGeom prst="rect">
             <a:avLst/>
@@ -485,18 +455,15 @@
             <a:normAutofit/>
           </a:bodyPr>
           <a:p>
-            <a:endParaRPr b="0" lang="en-US" sz="1800" spc="-1" strike="noStrike">
-              <a:solidFill>
-                <a:srgbClr val="404040"/>
-              </a:solidFill>
-              <a:latin typeface="Trebuchet MS"/>
-            </a:endParaRPr>
-          </a:p>
-        </p:txBody>
-      </p:sp>
-      <p:sp>
-        <p:nvSpPr>
-          <p:cNvPr id="60" name="PlaceHolder 5"/>
+            <a:endParaRPr b="0" lang="en-GB" sz="3200" spc="-1" strike="noStrike">
+              <a:latin typeface="Arial"/>
+            </a:endParaRPr>
+          </a:p>
+        </p:txBody>
+      </p:sp>
+      <p:sp>
+        <p:nvSpPr>
+          <p:cNvPr id="57" name="PlaceHolder 5"/>
           <p:cNvSpPr>
             <a:spLocks noGrp="1"/>
           </p:cNvSpPr>
@@ -506,8 +473,8 @@
         </p:nvSpPr>
         <p:spPr>
           <a:xfrm>
-            <a:off x="677160" y="4187520"/>
-            <a:ext cx="2767680" cy="1850760"/>
+            <a:off x="609480" y="3682080"/>
+            <a:ext cx="3533040" cy="1896840"/>
           </a:xfrm>
           <a:prstGeom prst="rect">
             <a:avLst/>
@@ -518,18 +485,15 @@
             <a:normAutofit/>
           </a:bodyPr>
           <a:p>
-            <a:endParaRPr b="0" lang="en-US" sz="1800" spc="-1" strike="noStrike">
-              <a:solidFill>
-                <a:srgbClr val="404040"/>
-              </a:solidFill>
-              <a:latin typeface="Trebuchet MS"/>
-            </a:endParaRPr>
-          </a:p>
-        </p:txBody>
-      </p:sp>
-      <p:sp>
-        <p:nvSpPr>
-          <p:cNvPr id="61" name="PlaceHolder 6"/>
+            <a:endParaRPr b="0" lang="en-GB" sz="3200" spc="-1" strike="noStrike">
+              <a:latin typeface="Arial"/>
+            </a:endParaRPr>
+          </a:p>
+        </p:txBody>
+      </p:sp>
+      <p:sp>
+        <p:nvSpPr>
+          <p:cNvPr id="58" name="PlaceHolder 6"/>
           <p:cNvSpPr>
             <a:spLocks noGrp="1"/>
           </p:cNvSpPr>
@@ -539,8 +503,8 @@
         </p:nvSpPr>
         <p:spPr>
           <a:xfrm>
-            <a:off x="3583440" y="4187520"/>
-            <a:ext cx="2767680" cy="1850760"/>
+            <a:off x="4319640" y="3682080"/>
+            <a:ext cx="3533040" cy="1896840"/>
           </a:xfrm>
           <a:prstGeom prst="rect">
             <a:avLst/>
@@ -551,18 +515,15 @@
             <a:normAutofit/>
           </a:bodyPr>
           <a:p>
-            <a:endParaRPr b="0" lang="en-US" sz="1800" spc="-1" strike="noStrike">
-              <a:solidFill>
-                <a:srgbClr val="404040"/>
-              </a:solidFill>
-              <a:latin typeface="Trebuchet MS"/>
-            </a:endParaRPr>
-          </a:p>
-        </p:txBody>
-      </p:sp>
-      <p:sp>
-        <p:nvSpPr>
-          <p:cNvPr id="62" name="PlaceHolder 7"/>
+            <a:endParaRPr b="0" lang="en-GB" sz="3200" spc="-1" strike="noStrike">
+              <a:latin typeface="Arial"/>
+            </a:endParaRPr>
+          </a:p>
+        </p:txBody>
+      </p:sp>
+      <p:sp>
+        <p:nvSpPr>
+          <p:cNvPr id="59" name="PlaceHolder 7"/>
           <p:cNvSpPr>
             <a:spLocks noGrp="1"/>
           </p:cNvSpPr>
@@ -572,8 +533,8 @@
         </p:nvSpPr>
         <p:spPr>
           <a:xfrm>
-            <a:off x="6490080" y="4187520"/>
-            <a:ext cx="2767680" cy="1850760"/>
+            <a:off x="8029800" y="3682080"/>
+            <a:ext cx="3533040" cy="1896840"/>
           </a:xfrm>
           <a:prstGeom prst="rect">
             <a:avLst/>
@@ -584,11 +545,8 @@
             <a:normAutofit/>
           </a:bodyPr>
           <a:p>
-            <a:endParaRPr b="0" lang="en-US" sz="1800" spc="-1" strike="noStrike">
-              <a:solidFill>
-                <a:srgbClr val="404040"/>
-              </a:solidFill>
-              <a:latin typeface="Trebuchet MS"/>
+            <a:endParaRPr b="0" lang="en-GB" sz="3200" spc="-1" strike="noStrike">
+              <a:latin typeface="Arial"/>
             </a:endParaRPr>
           </a:p>
         </p:txBody>
@@ -639,7 +597,7 @@
       </p:grpSpPr>
       <p:sp>
         <p:nvSpPr>
-          <p:cNvPr id="79" name="PlaceHolder 1"/>
+          <p:cNvPr id="73" name="PlaceHolder 1"/>
           <p:cNvSpPr>
             <a:spLocks noGrp="1"/>
           </p:cNvSpPr>
@@ -649,8 +607,8 @@
         </p:nvSpPr>
         <p:spPr>
           <a:xfrm>
-            <a:off x="677160" y="609480"/>
-            <a:ext cx="8596440" cy="1320480"/>
+            <a:off x="609480" y="273600"/>
+            <a:ext cx="10972440" cy="1144800"/>
           </a:xfrm>
           <a:prstGeom prst="rect">
             <a:avLst/>
@@ -661,18 +619,16 @@
             <a:noAutofit/>
           </a:bodyPr>
           <a:p>
-            <a:endParaRPr b="0" lang="en-US" sz="1800" spc="-1" strike="noStrike">
-              <a:solidFill>
-                <a:srgbClr val="000000"/>
-              </a:solidFill>
-              <a:latin typeface="Trebuchet MS"/>
-            </a:endParaRPr>
-          </a:p>
-        </p:txBody>
-      </p:sp>
-      <p:sp>
-        <p:nvSpPr>
-          <p:cNvPr id="80" name="PlaceHolder 2"/>
+            <a:pPr algn="ctr"/>
+            <a:endParaRPr b="0" lang="en-GB" sz="4400" spc="-1" strike="noStrike">
+              <a:latin typeface="Arial"/>
+            </a:endParaRPr>
+          </a:p>
+        </p:txBody>
+      </p:sp>
+      <p:sp>
+        <p:nvSpPr>
+          <p:cNvPr id="74" name="PlaceHolder 2"/>
           <p:cNvSpPr>
             <a:spLocks noGrp="1"/>
           </p:cNvSpPr>
@@ -682,8 +638,8 @@
         </p:nvSpPr>
         <p:spPr>
           <a:xfrm>
-            <a:off x="677160" y="2160720"/>
-            <a:ext cx="8596440" cy="3880440"/>
+            <a:off x="609480" y="1604520"/>
+            <a:ext cx="10972440" cy="3977280"/>
           </a:xfrm>
           <a:prstGeom prst="rect">
             <a:avLst/>
@@ -725,7 +681,7 @@
       </p:grpSpPr>
       <p:sp>
         <p:nvSpPr>
-          <p:cNvPr id="81" name="PlaceHolder 1"/>
+          <p:cNvPr id="75" name="PlaceHolder 1"/>
           <p:cNvSpPr>
             <a:spLocks noGrp="1"/>
           </p:cNvSpPr>
@@ -735,8 +691,8 @@
         </p:nvSpPr>
         <p:spPr>
           <a:xfrm>
-            <a:off x="677160" y="609480"/>
-            <a:ext cx="8596440" cy="1320480"/>
+            <a:off x="609480" y="273600"/>
+            <a:ext cx="10972440" cy="1144800"/>
           </a:xfrm>
           <a:prstGeom prst="rect">
             <a:avLst/>
@@ -747,18 +703,16 @@
             <a:noAutofit/>
           </a:bodyPr>
           <a:p>
-            <a:endParaRPr b="0" lang="en-US" sz="1800" spc="-1" strike="noStrike">
-              <a:solidFill>
-                <a:srgbClr val="000000"/>
-              </a:solidFill>
-              <a:latin typeface="Trebuchet MS"/>
-            </a:endParaRPr>
-          </a:p>
-        </p:txBody>
-      </p:sp>
-      <p:sp>
-        <p:nvSpPr>
-          <p:cNvPr id="82" name="PlaceHolder 2"/>
+            <a:pPr algn="ctr"/>
+            <a:endParaRPr b="0" lang="en-GB" sz="4400" spc="-1" strike="noStrike">
+              <a:latin typeface="Arial"/>
+            </a:endParaRPr>
+          </a:p>
+        </p:txBody>
+      </p:sp>
+      <p:sp>
+        <p:nvSpPr>
+          <p:cNvPr id="76" name="PlaceHolder 2"/>
           <p:cNvSpPr>
             <a:spLocks noGrp="1"/>
           </p:cNvSpPr>
@@ -768,8 +722,8 @@
         </p:nvSpPr>
         <p:spPr>
           <a:xfrm>
-            <a:off x="677160" y="2160720"/>
-            <a:ext cx="8596440" cy="3880440"/>
+            <a:off x="609480" y="1604520"/>
+            <a:ext cx="10972440" cy="3977280"/>
           </a:xfrm>
           <a:prstGeom prst="rect">
             <a:avLst/>
@@ -780,11 +734,8 @@
             <a:normAutofit/>
           </a:bodyPr>
           <a:p>
-            <a:endParaRPr b="0" lang="en-US" sz="1800" spc="-1" strike="noStrike">
-              <a:solidFill>
-                <a:srgbClr val="404040"/>
-              </a:solidFill>
-              <a:latin typeface="Trebuchet MS"/>
+            <a:endParaRPr b="0" lang="en-GB" sz="3200" spc="-1" strike="noStrike">
+              <a:latin typeface="Arial"/>
             </a:endParaRPr>
           </a:p>
         </p:txBody>
@@ -813,7 +764,7 @@
       </p:grpSpPr>
       <p:sp>
         <p:nvSpPr>
-          <p:cNvPr id="83" name="PlaceHolder 1"/>
+          <p:cNvPr id="77" name="PlaceHolder 1"/>
           <p:cNvSpPr>
             <a:spLocks noGrp="1"/>
           </p:cNvSpPr>
@@ -823,8 +774,8 @@
         </p:nvSpPr>
         <p:spPr>
           <a:xfrm>
-            <a:off x="677160" y="609480"/>
-            <a:ext cx="8596440" cy="1320480"/>
+            <a:off x="609480" y="273600"/>
+            <a:ext cx="10972440" cy="1144800"/>
           </a:xfrm>
           <a:prstGeom prst="rect">
             <a:avLst/>
@@ -835,18 +786,16 @@
             <a:noAutofit/>
           </a:bodyPr>
           <a:p>
-            <a:endParaRPr b="0" lang="en-US" sz="1800" spc="-1" strike="noStrike">
-              <a:solidFill>
-                <a:srgbClr val="000000"/>
-              </a:solidFill>
-              <a:latin typeface="Trebuchet MS"/>
-            </a:endParaRPr>
-          </a:p>
-        </p:txBody>
-      </p:sp>
-      <p:sp>
-        <p:nvSpPr>
-          <p:cNvPr id="84" name="PlaceHolder 2"/>
+            <a:pPr algn="ctr"/>
+            <a:endParaRPr b="0" lang="en-GB" sz="4400" spc="-1" strike="noStrike">
+              <a:latin typeface="Arial"/>
+            </a:endParaRPr>
+          </a:p>
+        </p:txBody>
+      </p:sp>
+      <p:sp>
+        <p:nvSpPr>
+          <p:cNvPr id="78" name="PlaceHolder 2"/>
           <p:cNvSpPr>
             <a:spLocks noGrp="1"/>
           </p:cNvSpPr>
@@ -856,8 +805,8 @@
         </p:nvSpPr>
         <p:spPr>
           <a:xfrm>
-            <a:off x="677160" y="2160720"/>
-            <a:ext cx="4194720" cy="3880440"/>
+            <a:off x="609480" y="1604520"/>
+            <a:ext cx="5354280" cy="3977280"/>
           </a:xfrm>
           <a:prstGeom prst="rect">
             <a:avLst/>
@@ -868,18 +817,15 @@
             <a:normAutofit/>
           </a:bodyPr>
           <a:p>
-            <a:endParaRPr b="0" lang="en-US" sz="1800" spc="-1" strike="noStrike">
-              <a:solidFill>
-                <a:srgbClr val="404040"/>
-              </a:solidFill>
-              <a:latin typeface="Trebuchet MS"/>
-            </a:endParaRPr>
-          </a:p>
-        </p:txBody>
-      </p:sp>
-      <p:sp>
-        <p:nvSpPr>
-          <p:cNvPr id="85" name="PlaceHolder 3"/>
+            <a:endParaRPr b="0" lang="en-GB" sz="3200" spc="-1" strike="noStrike">
+              <a:latin typeface="Arial"/>
+            </a:endParaRPr>
+          </a:p>
+        </p:txBody>
+      </p:sp>
+      <p:sp>
+        <p:nvSpPr>
+          <p:cNvPr id="79" name="PlaceHolder 3"/>
           <p:cNvSpPr>
             <a:spLocks noGrp="1"/>
           </p:cNvSpPr>
@@ -889,8 +835,8 @@
         </p:nvSpPr>
         <p:spPr>
           <a:xfrm>
-            <a:off x="5082120" y="2160720"/>
-            <a:ext cx="4194720" cy="3880440"/>
+            <a:off x="6231960" y="1604520"/>
+            <a:ext cx="5354280" cy="3977280"/>
           </a:xfrm>
           <a:prstGeom prst="rect">
             <a:avLst/>
@@ -901,11 +847,8 @@
             <a:normAutofit/>
           </a:bodyPr>
           <a:p>
-            <a:endParaRPr b="0" lang="en-US" sz="1800" spc="-1" strike="noStrike">
-              <a:solidFill>
-                <a:srgbClr val="404040"/>
-              </a:solidFill>
-              <a:latin typeface="Trebuchet MS"/>
+            <a:endParaRPr b="0" lang="en-GB" sz="3200" spc="-1" strike="noStrike">
+              <a:latin typeface="Arial"/>
             </a:endParaRPr>
           </a:p>
         </p:txBody>
@@ -934,7 +877,7 @@
       </p:grpSpPr>
       <p:sp>
         <p:nvSpPr>
-          <p:cNvPr id="86" name="PlaceHolder 1"/>
+          <p:cNvPr id="80" name="PlaceHolder 1"/>
           <p:cNvSpPr>
             <a:spLocks noGrp="1"/>
           </p:cNvSpPr>
@@ -944,8 +887,8 @@
         </p:nvSpPr>
         <p:spPr>
           <a:xfrm>
-            <a:off x="677160" y="609480"/>
-            <a:ext cx="8596440" cy="1320480"/>
+            <a:off x="609480" y="273600"/>
+            <a:ext cx="10972440" cy="1144800"/>
           </a:xfrm>
           <a:prstGeom prst="rect">
             <a:avLst/>
@@ -956,11 +899,9 @@
             <a:noAutofit/>
           </a:bodyPr>
           <a:p>
-            <a:endParaRPr b="0" lang="en-US" sz="1800" spc="-1" strike="noStrike">
-              <a:solidFill>
-                <a:srgbClr val="000000"/>
-              </a:solidFill>
-              <a:latin typeface="Trebuchet MS"/>
+            <a:pPr algn="ctr"/>
+            <a:endParaRPr b="0" lang="en-GB" sz="4400" spc="-1" strike="noStrike">
+              <a:latin typeface="Arial"/>
             </a:endParaRPr>
           </a:p>
         </p:txBody>
@@ -989,7 +930,7 @@
       </p:grpSpPr>
       <p:sp>
         <p:nvSpPr>
-          <p:cNvPr id="87" name="PlaceHolder 1"/>
+          <p:cNvPr id="81" name="PlaceHolder 1"/>
           <p:cNvSpPr>
             <a:spLocks noGrp="1"/>
           </p:cNvSpPr>
@@ -999,8 +940,8 @@
         </p:nvSpPr>
         <p:spPr>
           <a:xfrm>
-            <a:off x="677160" y="609480"/>
-            <a:ext cx="8596440" cy="6122160"/>
+            <a:off x="609480" y="273600"/>
+            <a:ext cx="10972440" cy="5307840"/>
           </a:xfrm>
           <a:prstGeom prst="rect">
             <a:avLst/>
@@ -1042,7 +983,7 @@
       </p:grpSpPr>
       <p:sp>
         <p:nvSpPr>
-          <p:cNvPr id="88" name="PlaceHolder 1"/>
+          <p:cNvPr id="82" name="PlaceHolder 1"/>
           <p:cNvSpPr>
             <a:spLocks noGrp="1"/>
           </p:cNvSpPr>
@@ -1052,8 +993,8 @@
         </p:nvSpPr>
         <p:spPr>
           <a:xfrm>
-            <a:off x="677160" y="609480"/>
-            <a:ext cx="8596440" cy="1320480"/>
+            <a:off x="609480" y="273600"/>
+            <a:ext cx="10972440" cy="1144800"/>
           </a:xfrm>
           <a:prstGeom prst="rect">
             <a:avLst/>
@@ -1064,18 +1005,16 @@
             <a:noAutofit/>
           </a:bodyPr>
           <a:p>
-            <a:endParaRPr b="0" lang="en-US" sz="1800" spc="-1" strike="noStrike">
-              <a:solidFill>
-                <a:srgbClr val="000000"/>
-              </a:solidFill>
-              <a:latin typeface="Trebuchet MS"/>
-            </a:endParaRPr>
-          </a:p>
-        </p:txBody>
-      </p:sp>
-      <p:sp>
-        <p:nvSpPr>
-          <p:cNvPr id="89" name="PlaceHolder 2"/>
+            <a:pPr algn="ctr"/>
+            <a:endParaRPr b="0" lang="en-GB" sz="4400" spc="-1" strike="noStrike">
+              <a:latin typeface="Arial"/>
+            </a:endParaRPr>
+          </a:p>
+        </p:txBody>
+      </p:sp>
+      <p:sp>
+        <p:nvSpPr>
+          <p:cNvPr id="83" name="PlaceHolder 2"/>
           <p:cNvSpPr>
             <a:spLocks noGrp="1"/>
           </p:cNvSpPr>
@@ -1085,8 +1024,8 @@
         </p:nvSpPr>
         <p:spPr>
           <a:xfrm>
-            <a:off x="677160" y="2160720"/>
-            <a:ext cx="4194720" cy="1850760"/>
+            <a:off x="609480" y="1604520"/>
+            <a:ext cx="5354280" cy="1896840"/>
           </a:xfrm>
           <a:prstGeom prst="rect">
             <a:avLst/>
@@ -1097,18 +1036,15 @@
             <a:normAutofit/>
           </a:bodyPr>
           <a:p>
-            <a:endParaRPr b="0" lang="en-US" sz="1800" spc="-1" strike="noStrike">
-              <a:solidFill>
-                <a:srgbClr val="404040"/>
-              </a:solidFill>
-              <a:latin typeface="Trebuchet MS"/>
-            </a:endParaRPr>
-          </a:p>
-        </p:txBody>
-      </p:sp>
-      <p:sp>
-        <p:nvSpPr>
-          <p:cNvPr id="90" name="PlaceHolder 3"/>
+            <a:endParaRPr b="0" lang="en-GB" sz="3200" spc="-1" strike="noStrike">
+              <a:latin typeface="Arial"/>
+            </a:endParaRPr>
+          </a:p>
+        </p:txBody>
+      </p:sp>
+      <p:sp>
+        <p:nvSpPr>
+          <p:cNvPr id="84" name="PlaceHolder 3"/>
           <p:cNvSpPr>
             <a:spLocks noGrp="1"/>
           </p:cNvSpPr>
@@ -1118,8 +1054,8 @@
         </p:nvSpPr>
         <p:spPr>
           <a:xfrm>
-            <a:off x="5082120" y="2160720"/>
-            <a:ext cx="4194720" cy="3880440"/>
+            <a:off x="6231960" y="1604520"/>
+            <a:ext cx="5354280" cy="3977280"/>
           </a:xfrm>
           <a:prstGeom prst="rect">
             <a:avLst/>
@@ -1130,18 +1066,15 @@
             <a:normAutofit/>
           </a:bodyPr>
           <a:p>
-            <a:endParaRPr b="0" lang="en-US" sz="1800" spc="-1" strike="noStrike">
-              <a:solidFill>
-                <a:srgbClr val="404040"/>
-              </a:solidFill>
-              <a:latin typeface="Trebuchet MS"/>
-            </a:endParaRPr>
-          </a:p>
-        </p:txBody>
-      </p:sp>
-      <p:sp>
-        <p:nvSpPr>
-          <p:cNvPr id="91" name="PlaceHolder 4"/>
+            <a:endParaRPr b="0" lang="en-GB" sz="3200" spc="-1" strike="noStrike">
+              <a:latin typeface="Arial"/>
+            </a:endParaRPr>
+          </a:p>
+        </p:txBody>
+      </p:sp>
+      <p:sp>
+        <p:nvSpPr>
+          <p:cNvPr id="85" name="PlaceHolder 4"/>
           <p:cNvSpPr>
             <a:spLocks noGrp="1"/>
           </p:cNvSpPr>
@@ -1151,8 +1084,8 @@
         </p:nvSpPr>
         <p:spPr>
           <a:xfrm>
-            <a:off x="677160" y="4187520"/>
-            <a:ext cx="4194720" cy="1850760"/>
+            <a:off x="609480" y="3682080"/>
+            <a:ext cx="5354280" cy="1896840"/>
           </a:xfrm>
           <a:prstGeom prst="rect">
             <a:avLst/>
@@ -1163,11 +1096,8 @@
             <a:normAutofit/>
           </a:bodyPr>
           <a:p>
-            <a:endParaRPr b="0" lang="en-US" sz="1800" spc="-1" strike="noStrike">
-              <a:solidFill>
-                <a:srgbClr val="404040"/>
-              </a:solidFill>
-              <a:latin typeface="Trebuchet MS"/>
+            <a:endParaRPr b="0" lang="en-GB" sz="3200" spc="-1" strike="noStrike">
+              <a:latin typeface="Arial"/>
             </a:endParaRPr>
           </a:p>
         </p:txBody>
@@ -1196,7 +1126,7 @@
       </p:grpSpPr>
       <p:sp>
         <p:nvSpPr>
-          <p:cNvPr id="27" name="PlaceHolder 1"/>
+          <p:cNvPr id="24" name="PlaceHolder 1"/>
           <p:cNvSpPr>
             <a:spLocks noGrp="1"/>
           </p:cNvSpPr>
@@ -1206,8 +1136,8 @@
         </p:nvSpPr>
         <p:spPr>
           <a:xfrm>
-            <a:off x="677160" y="609480"/>
-            <a:ext cx="8596440" cy="1320480"/>
+            <a:off x="609480" y="273600"/>
+            <a:ext cx="10972440" cy="1144800"/>
           </a:xfrm>
           <a:prstGeom prst="rect">
             <a:avLst/>
@@ -1218,18 +1148,16 @@
             <a:noAutofit/>
           </a:bodyPr>
           <a:p>
-            <a:endParaRPr b="0" lang="en-US" sz="1800" spc="-1" strike="noStrike">
-              <a:solidFill>
-                <a:srgbClr val="000000"/>
-              </a:solidFill>
-              <a:latin typeface="Trebuchet MS"/>
-            </a:endParaRPr>
-          </a:p>
-        </p:txBody>
-      </p:sp>
-      <p:sp>
-        <p:nvSpPr>
-          <p:cNvPr id="28" name="PlaceHolder 2"/>
+            <a:pPr algn="ctr"/>
+            <a:endParaRPr b="0" lang="en-GB" sz="4400" spc="-1" strike="noStrike">
+              <a:latin typeface="Arial"/>
+            </a:endParaRPr>
+          </a:p>
+        </p:txBody>
+      </p:sp>
+      <p:sp>
+        <p:nvSpPr>
+          <p:cNvPr id="25" name="PlaceHolder 2"/>
           <p:cNvSpPr>
             <a:spLocks noGrp="1"/>
           </p:cNvSpPr>
@@ -1239,8 +1167,8 @@
         </p:nvSpPr>
         <p:spPr>
           <a:xfrm>
-            <a:off x="677160" y="2160720"/>
-            <a:ext cx="8596440" cy="3880440"/>
+            <a:off x="609480" y="1604520"/>
+            <a:ext cx="10972440" cy="3977280"/>
           </a:xfrm>
           <a:prstGeom prst="rect">
             <a:avLst/>
@@ -1282,7 +1210,7 @@
       </p:grpSpPr>
       <p:sp>
         <p:nvSpPr>
-          <p:cNvPr id="92" name="PlaceHolder 1"/>
+          <p:cNvPr id="86" name="PlaceHolder 1"/>
           <p:cNvSpPr>
             <a:spLocks noGrp="1"/>
           </p:cNvSpPr>
@@ -1292,8 +1220,8 @@
         </p:nvSpPr>
         <p:spPr>
           <a:xfrm>
-            <a:off x="677160" y="609480"/>
-            <a:ext cx="8596440" cy="1320480"/>
+            <a:off x="609480" y="273600"/>
+            <a:ext cx="10972440" cy="1144800"/>
           </a:xfrm>
           <a:prstGeom prst="rect">
             <a:avLst/>
@@ -1304,18 +1232,16 @@
             <a:noAutofit/>
           </a:bodyPr>
           <a:p>
-            <a:endParaRPr b="0" lang="en-US" sz="1800" spc="-1" strike="noStrike">
-              <a:solidFill>
-                <a:srgbClr val="000000"/>
-              </a:solidFill>
-              <a:latin typeface="Trebuchet MS"/>
-            </a:endParaRPr>
-          </a:p>
-        </p:txBody>
-      </p:sp>
-      <p:sp>
-        <p:nvSpPr>
-          <p:cNvPr id="93" name="PlaceHolder 2"/>
+            <a:pPr algn="ctr"/>
+            <a:endParaRPr b="0" lang="en-GB" sz="4400" spc="-1" strike="noStrike">
+              <a:latin typeface="Arial"/>
+            </a:endParaRPr>
+          </a:p>
+        </p:txBody>
+      </p:sp>
+      <p:sp>
+        <p:nvSpPr>
+          <p:cNvPr id="87" name="PlaceHolder 2"/>
           <p:cNvSpPr>
             <a:spLocks noGrp="1"/>
           </p:cNvSpPr>
@@ -1325,8 +1251,8 @@
         </p:nvSpPr>
         <p:spPr>
           <a:xfrm>
-            <a:off x="677160" y="2160720"/>
-            <a:ext cx="4194720" cy="3880440"/>
+            <a:off x="609480" y="1604520"/>
+            <a:ext cx="5354280" cy="3977280"/>
           </a:xfrm>
           <a:prstGeom prst="rect">
             <a:avLst/>
@@ -1337,18 +1263,15 @@
             <a:normAutofit/>
           </a:bodyPr>
           <a:p>
-            <a:endParaRPr b="0" lang="en-US" sz="1800" spc="-1" strike="noStrike">
-              <a:solidFill>
-                <a:srgbClr val="404040"/>
-              </a:solidFill>
-              <a:latin typeface="Trebuchet MS"/>
-            </a:endParaRPr>
-          </a:p>
-        </p:txBody>
-      </p:sp>
-      <p:sp>
-        <p:nvSpPr>
-          <p:cNvPr id="94" name="PlaceHolder 3"/>
+            <a:endParaRPr b="0" lang="en-GB" sz="3200" spc="-1" strike="noStrike">
+              <a:latin typeface="Arial"/>
+            </a:endParaRPr>
+          </a:p>
+        </p:txBody>
+      </p:sp>
+      <p:sp>
+        <p:nvSpPr>
+          <p:cNvPr id="88" name="PlaceHolder 3"/>
           <p:cNvSpPr>
             <a:spLocks noGrp="1"/>
           </p:cNvSpPr>
@@ -1358,8 +1281,8 @@
         </p:nvSpPr>
         <p:spPr>
           <a:xfrm>
-            <a:off x="5082120" y="2160720"/>
-            <a:ext cx="4194720" cy="1850760"/>
+            <a:off x="6231960" y="1604520"/>
+            <a:ext cx="5354280" cy="1896840"/>
           </a:xfrm>
           <a:prstGeom prst="rect">
             <a:avLst/>
@@ -1370,18 +1293,15 @@
             <a:normAutofit/>
           </a:bodyPr>
           <a:p>
-            <a:endParaRPr b="0" lang="en-US" sz="1800" spc="-1" strike="noStrike">
-              <a:solidFill>
-                <a:srgbClr val="404040"/>
-              </a:solidFill>
-              <a:latin typeface="Trebuchet MS"/>
-            </a:endParaRPr>
-          </a:p>
-        </p:txBody>
-      </p:sp>
-      <p:sp>
-        <p:nvSpPr>
-          <p:cNvPr id="95" name="PlaceHolder 4"/>
+            <a:endParaRPr b="0" lang="en-GB" sz="3200" spc="-1" strike="noStrike">
+              <a:latin typeface="Arial"/>
+            </a:endParaRPr>
+          </a:p>
+        </p:txBody>
+      </p:sp>
+      <p:sp>
+        <p:nvSpPr>
+          <p:cNvPr id="89" name="PlaceHolder 4"/>
           <p:cNvSpPr>
             <a:spLocks noGrp="1"/>
           </p:cNvSpPr>
@@ -1391,8 +1311,8 @@
         </p:nvSpPr>
         <p:spPr>
           <a:xfrm>
-            <a:off x="5082120" y="4187520"/>
-            <a:ext cx="4194720" cy="1850760"/>
+            <a:off x="6231960" y="3682080"/>
+            <a:ext cx="5354280" cy="1896840"/>
           </a:xfrm>
           <a:prstGeom prst="rect">
             <a:avLst/>
@@ -1403,11 +1323,8 @@
             <a:normAutofit/>
           </a:bodyPr>
           <a:p>
-            <a:endParaRPr b="0" lang="en-US" sz="1800" spc="-1" strike="noStrike">
-              <a:solidFill>
-                <a:srgbClr val="404040"/>
-              </a:solidFill>
-              <a:latin typeface="Trebuchet MS"/>
+            <a:endParaRPr b="0" lang="en-GB" sz="3200" spc="-1" strike="noStrike">
+              <a:latin typeface="Arial"/>
             </a:endParaRPr>
           </a:p>
         </p:txBody>
@@ -1436,7 +1353,7 @@
       </p:grpSpPr>
       <p:sp>
         <p:nvSpPr>
-          <p:cNvPr id="96" name="PlaceHolder 1"/>
+          <p:cNvPr id="90" name="PlaceHolder 1"/>
           <p:cNvSpPr>
             <a:spLocks noGrp="1"/>
           </p:cNvSpPr>
@@ -1446,8 +1363,8 @@
         </p:nvSpPr>
         <p:spPr>
           <a:xfrm>
-            <a:off x="677160" y="609480"/>
-            <a:ext cx="8596440" cy="1320480"/>
+            <a:off x="609480" y="273600"/>
+            <a:ext cx="10972440" cy="1144800"/>
           </a:xfrm>
           <a:prstGeom prst="rect">
             <a:avLst/>
@@ -1458,18 +1375,16 @@
             <a:noAutofit/>
           </a:bodyPr>
           <a:p>
-            <a:endParaRPr b="0" lang="en-US" sz="1800" spc="-1" strike="noStrike">
-              <a:solidFill>
-                <a:srgbClr val="000000"/>
-              </a:solidFill>
-              <a:latin typeface="Trebuchet MS"/>
-            </a:endParaRPr>
-          </a:p>
-        </p:txBody>
-      </p:sp>
-      <p:sp>
-        <p:nvSpPr>
-          <p:cNvPr id="97" name="PlaceHolder 2"/>
+            <a:pPr algn="ctr"/>
+            <a:endParaRPr b="0" lang="en-GB" sz="4400" spc="-1" strike="noStrike">
+              <a:latin typeface="Arial"/>
+            </a:endParaRPr>
+          </a:p>
+        </p:txBody>
+      </p:sp>
+      <p:sp>
+        <p:nvSpPr>
+          <p:cNvPr id="91" name="PlaceHolder 2"/>
           <p:cNvSpPr>
             <a:spLocks noGrp="1"/>
           </p:cNvSpPr>
@@ -1479,8 +1394,8 @@
         </p:nvSpPr>
         <p:spPr>
           <a:xfrm>
-            <a:off x="677160" y="2160720"/>
-            <a:ext cx="4194720" cy="1850760"/>
+            <a:off x="609480" y="1604520"/>
+            <a:ext cx="5354280" cy="1896840"/>
           </a:xfrm>
           <a:prstGeom prst="rect">
             <a:avLst/>
@@ -1491,18 +1406,15 @@
             <a:normAutofit/>
           </a:bodyPr>
           <a:p>
-            <a:endParaRPr b="0" lang="en-US" sz="1800" spc="-1" strike="noStrike">
-              <a:solidFill>
-                <a:srgbClr val="404040"/>
-              </a:solidFill>
-              <a:latin typeface="Trebuchet MS"/>
-            </a:endParaRPr>
-          </a:p>
-        </p:txBody>
-      </p:sp>
-      <p:sp>
-        <p:nvSpPr>
-          <p:cNvPr id="98" name="PlaceHolder 3"/>
+            <a:endParaRPr b="0" lang="en-GB" sz="3200" spc="-1" strike="noStrike">
+              <a:latin typeface="Arial"/>
+            </a:endParaRPr>
+          </a:p>
+        </p:txBody>
+      </p:sp>
+      <p:sp>
+        <p:nvSpPr>
+          <p:cNvPr id="92" name="PlaceHolder 3"/>
           <p:cNvSpPr>
             <a:spLocks noGrp="1"/>
           </p:cNvSpPr>
@@ -1512,8 +1424,8 @@
         </p:nvSpPr>
         <p:spPr>
           <a:xfrm>
-            <a:off x="5082120" y="2160720"/>
-            <a:ext cx="4194720" cy="1850760"/>
+            <a:off x="6231960" y="1604520"/>
+            <a:ext cx="5354280" cy="1896840"/>
           </a:xfrm>
           <a:prstGeom prst="rect">
             <a:avLst/>
@@ -1524,18 +1436,15 @@
             <a:normAutofit/>
           </a:bodyPr>
           <a:p>
-            <a:endParaRPr b="0" lang="en-US" sz="1800" spc="-1" strike="noStrike">
-              <a:solidFill>
-                <a:srgbClr val="404040"/>
-              </a:solidFill>
-              <a:latin typeface="Trebuchet MS"/>
-            </a:endParaRPr>
-          </a:p>
-        </p:txBody>
-      </p:sp>
-      <p:sp>
-        <p:nvSpPr>
-          <p:cNvPr id="99" name="PlaceHolder 4"/>
+            <a:endParaRPr b="0" lang="en-GB" sz="3200" spc="-1" strike="noStrike">
+              <a:latin typeface="Arial"/>
+            </a:endParaRPr>
+          </a:p>
+        </p:txBody>
+      </p:sp>
+      <p:sp>
+        <p:nvSpPr>
+          <p:cNvPr id="93" name="PlaceHolder 4"/>
           <p:cNvSpPr>
             <a:spLocks noGrp="1"/>
           </p:cNvSpPr>
@@ -1545,8 +1454,8 @@
         </p:nvSpPr>
         <p:spPr>
           <a:xfrm>
-            <a:off x="677160" y="4187520"/>
-            <a:ext cx="8596440" cy="1850760"/>
+            <a:off x="609480" y="3682080"/>
+            <a:ext cx="10972440" cy="1896840"/>
           </a:xfrm>
           <a:prstGeom prst="rect">
             <a:avLst/>
@@ -1557,11 +1466,8 @@
             <a:normAutofit/>
           </a:bodyPr>
           <a:p>
-            <a:endParaRPr b="0" lang="en-US" sz="1800" spc="-1" strike="noStrike">
-              <a:solidFill>
-                <a:srgbClr val="404040"/>
-              </a:solidFill>
-              <a:latin typeface="Trebuchet MS"/>
+            <a:endParaRPr b="0" lang="en-GB" sz="3200" spc="-1" strike="noStrike">
+              <a:latin typeface="Arial"/>
             </a:endParaRPr>
           </a:p>
         </p:txBody>
@@ -1590,7 +1496,7 @@
       </p:grpSpPr>
       <p:sp>
         <p:nvSpPr>
-          <p:cNvPr id="100" name="PlaceHolder 1"/>
+          <p:cNvPr id="94" name="PlaceHolder 1"/>
           <p:cNvSpPr>
             <a:spLocks noGrp="1"/>
           </p:cNvSpPr>
@@ -1600,8 +1506,8 @@
         </p:nvSpPr>
         <p:spPr>
           <a:xfrm>
-            <a:off x="677160" y="609480"/>
-            <a:ext cx="8596440" cy="1320480"/>
+            <a:off x="609480" y="273600"/>
+            <a:ext cx="10972440" cy="1144800"/>
           </a:xfrm>
           <a:prstGeom prst="rect">
             <a:avLst/>
@@ -1612,18 +1518,16 @@
             <a:noAutofit/>
           </a:bodyPr>
           <a:p>
-            <a:endParaRPr b="0" lang="en-US" sz="1800" spc="-1" strike="noStrike">
-              <a:solidFill>
-                <a:srgbClr val="000000"/>
-              </a:solidFill>
-              <a:latin typeface="Trebuchet MS"/>
-            </a:endParaRPr>
-          </a:p>
-        </p:txBody>
-      </p:sp>
-      <p:sp>
-        <p:nvSpPr>
-          <p:cNvPr id="101" name="PlaceHolder 2"/>
+            <a:pPr algn="ctr"/>
+            <a:endParaRPr b="0" lang="en-GB" sz="4400" spc="-1" strike="noStrike">
+              <a:latin typeface="Arial"/>
+            </a:endParaRPr>
+          </a:p>
+        </p:txBody>
+      </p:sp>
+      <p:sp>
+        <p:nvSpPr>
+          <p:cNvPr id="95" name="PlaceHolder 2"/>
           <p:cNvSpPr>
             <a:spLocks noGrp="1"/>
           </p:cNvSpPr>
@@ -1633,8 +1537,8 @@
         </p:nvSpPr>
         <p:spPr>
           <a:xfrm>
-            <a:off x="677160" y="2160720"/>
-            <a:ext cx="8596440" cy="1850760"/>
+            <a:off x="609480" y="1604520"/>
+            <a:ext cx="10972440" cy="1896840"/>
           </a:xfrm>
           <a:prstGeom prst="rect">
             <a:avLst/>
@@ -1645,18 +1549,15 @@
             <a:normAutofit/>
           </a:bodyPr>
           <a:p>
-            <a:endParaRPr b="0" lang="en-US" sz="1800" spc="-1" strike="noStrike">
-              <a:solidFill>
-                <a:srgbClr val="404040"/>
-              </a:solidFill>
-              <a:latin typeface="Trebuchet MS"/>
-            </a:endParaRPr>
-          </a:p>
-        </p:txBody>
-      </p:sp>
-      <p:sp>
-        <p:nvSpPr>
-          <p:cNvPr id="102" name="PlaceHolder 3"/>
+            <a:endParaRPr b="0" lang="en-GB" sz="3200" spc="-1" strike="noStrike">
+              <a:latin typeface="Arial"/>
+            </a:endParaRPr>
+          </a:p>
+        </p:txBody>
+      </p:sp>
+      <p:sp>
+        <p:nvSpPr>
+          <p:cNvPr id="96" name="PlaceHolder 3"/>
           <p:cNvSpPr>
             <a:spLocks noGrp="1"/>
           </p:cNvSpPr>
@@ -1666,8 +1567,8 @@
         </p:nvSpPr>
         <p:spPr>
           <a:xfrm>
-            <a:off x="677160" y="4187520"/>
-            <a:ext cx="8596440" cy="1850760"/>
+            <a:off x="609480" y="3682080"/>
+            <a:ext cx="10972440" cy="1896840"/>
           </a:xfrm>
           <a:prstGeom prst="rect">
             <a:avLst/>
@@ -1678,11 +1579,8 @@
             <a:normAutofit/>
           </a:bodyPr>
           <a:p>
-            <a:endParaRPr b="0" lang="en-US" sz="1800" spc="-1" strike="noStrike">
-              <a:solidFill>
-                <a:srgbClr val="404040"/>
-              </a:solidFill>
-              <a:latin typeface="Trebuchet MS"/>
+            <a:endParaRPr b="0" lang="en-GB" sz="3200" spc="-1" strike="noStrike">
+              <a:latin typeface="Arial"/>
             </a:endParaRPr>
           </a:p>
         </p:txBody>
@@ -1711,7 +1609,7 @@
       </p:grpSpPr>
       <p:sp>
         <p:nvSpPr>
-          <p:cNvPr id="103" name="PlaceHolder 1"/>
+          <p:cNvPr id="97" name="PlaceHolder 1"/>
           <p:cNvSpPr>
             <a:spLocks noGrp="1"/>
           </p:cNvSpPr>
@@ -1721,8 +1619,8 @@
         </p:nvSpPr>
         <p:spPr>
           <a:xfrm>
-            <a:off x="677160" y="609480"/>
-            <a:ext cx="8596440" cy="1320480"/>
+            <a:off x="609480" y="273600"/>
+            <a:ext cx="10972440" cy="1144800"/>
           </a:xfrm>
           <a:prstGeom prst="rect">
             <a:avLst/>
@@ -1733,18 +1631,16 @@
             <a:noAutofit/>
           </a:bodyPr>
           <a:p>
-            <a:endParaRPr b="0" lang="en-US" sz="1800" spc="-1" strike="noStrike">
-              <a:solidFill>
-                <a:srgbClr val="000000"/>
-              </a:solidFill>
-              <a:latin typeface="Trebuchet MS"/>
-            </a:endParaRPr>
-          </a:p>
-        </p:txBody>
-      </p:sp>
-      <p:sp>
-        <p:nvSpPr>
-          <p:cNvPr id="104" name="PlaceHolder 2"/>
+            <a:pPr algn="ctr"/>
+            <a:endParaRPr b="0" lang="en-GB" sz="4400" spc="-1" strike="noStrike">
+              <a:latin typeface="Arial"/>
+            </a:endParaRPr>
+          </a:p>
+        </p:txBody>
+      </p:sp>
+      <p:sp>
+        <p:nvSpPr>
+          <p:cNvPr id="98" name="PlaceHolder 2"/>
           <p:cNvSpPr>
             <a:spLocks noGrp="1"/>
           </p:cNvSpPr>
@@ -1754,8 +1650,8 @@
         </p:nvSpPr>
         <p:spPr>
           <a:xfrm>
-            <a:off x="677160" y="2160720"/>
-            <a:ext cx="4194720" cy="1850760"/>
+            <a:off x="609480" y="1604520"/>
+            <a:ext cx="5354280" cy="1896840"/>
           </a:xfrm>
           <a:prstGeom prst="rect">
             <a:avLst/>
@@ -1766,18 +1662,15 @@
             <a:normAutofit/>
           </a:bodyPr>
           <a:p>
-            <a:endParaRPr b="0" lang="en-US" sz="1800" spc="-1" strike="noStrike">
-              <a:solidFill>
-                <a:srgbClr val="404040"/>
-              </a:solidFill>
-              <a:latin typeface="Trebuchet MS"/>
-            </a:endParaRPr>
-          </a:p>
-        </p:txBody>
-      </p:sp>
-      <p:sp>
-        <p:nvSpPr>
-          <p:cNvPr id="105" name="PlaceHolder 3"/>
+            <a:endParaRPr b="0" lang="en-GB" sz="3200" spc="-1" strike="noStrike">
+              <a:latin typeface="Arial"/>
+            </a:endParaRPr>
+          </a:p>
+        </p:txBody>
+      </p:sp>
+      <p:sp>
+        <p:nvSpPr>
+          <p:cNvPr id="99" name="PlaceHolder 3"/>
           <p:cNvSpPr>
             <a:spLocks noGrp="1"/>
           </p:cNvSpPr>
@@ -1787,8 +1680,8 @@
         </p:nvSpPr>
         <p:spPr>
           <a:xfrm>
-            <a:off x="5082120" y="2160720"/>
-            <a:ext cx="4194720" cy="1850760"/>
+            <a:off x="6231960" y="1604520"/>
+            <a:ext cx="5354280" cy="1896840"/>
           </a:xfrm>
           <a:prstGeom prst="rect">
             <a:avLst/>
@@ -1799,18 +1692,15 @@
             <a:normAutofit/>
           </a:bodyPr>
           <a:p>
-            <a:endParaRPr b="0" lang="en-US" sz="1800" spc="-1" strike="noStrike">
-              <a:solidFill>
-                <a:srgbClr val="404040"/>
-              </a:solidFill>
-              <a:latin typeface="Trebuchet MS"/>
-            </a:endParaRPr>
-          </a:p>
-        </p:txBody>
-      </p:sp>
-      <p:sp>
-        <p:nvSpPr>
-          <p:cNvPr id="106" name="PlaceHolder 4"/>
+            <a:endParaRPr b="0" lang="en-GB" sz="3200" spc="-1" strike="noStrike">
+              <a:latin typeface="Arial"/>
+            </a:endParaRPr>
+          </a:p>
+        </p:txBody>
+      </p:sp>
+      <p:sp>
+        <p:nvSpPr>
+          <p:cNvPr id="100" name="PlaceHolder 4"/>
           <p:cNvSpPr>
             <a:spLocks noGrp="1"/>
           </p:cNvSpPr>
@@ -1820,8 +1710,8 @@
         </p:nvSpPr>
         <p:spPr>
           <a:xfrm>
-            <a:off x="677160" y="4187520"/>
-            <a:ext cx="4194720" cy="1850760"/>
+            <a:off x="609480" y="3682080"/>
+            <a:ext cx="5354280" cy="1896840"/>
           </a:xfrm>
           <a:prstGeom prst="rect">
             <a:avLst/>
@@ -1832,18 +1722,15 @@
             <a:normAutofit/>
           </a:bodyPr>
           <a:p>
-            <a:endParaRPr b="0" lang="en-US" sz="1800" spc="-1" strike="noStrike">
-              <a:solidFill>
-                <a:srgbClr val="404040"/>
-              </a:solidFill>
-              <a:latin typeface="Trebuchet MS"/>
-            </a:endParaRPr>
-          </a:p>
-        </p:txBody>
-      </p:sp>
-      <p:sp>
-        <p:nvSpPr>
-          <p:cNvPr id="107" name="PlaceHolder 5"/>
+            <a:endParaRPr b="0" lang="en-GB" sz="3200" spc="-1" strike="noStrike">
+              <a:latin typeface="Arial"/>
+            </a:endParaRPr>
+          </a:p>
+        </p:txBody>
+      </p:sp>
+      <p:sp>
+        <p:nvSpPr>
+          <p:cNvPr id="101" name="PlaceHolder 5"/>
           <p:cNvSpPr>
             <a:spLocks noGrp="1"/>
           </p:cNvSpPr>
@@ -1853,8 +1740,8 @@
         </p:nvSpPr>
         <p:spPr>
           <a:xfrm>
-            <a:off x="5082120" y="4187520"/>
-            <a:ext cx="4194720" cy="1850760"/>
+            <a:off x="6231960" y="3682080"/>
+            <a:ext cx="5354280" cy="1896840"/>
           </a:xfrm>
           <a:prstGeom prst="rect">
             <a:avLst/>
@@ -1865,11 +1752,8 @@
             <a:normAutofit/>
           </a:bodyPr>
           <a:p>
-            <a:endParaRPr b="0" lang="en-US" sz="1800" spc="-1" strike="noStrike">
-              <a:solidFill>
-                <a:srgbClr val="404040"/>
-              </a:solidFill>
-              <a:latin typeface="Trebuchet MS"/>
+            <a:endParaRPr b="0" lang="en-GB" sz="3200" spc="-1" strike="noStrike">
+              <a:latin typeface="Arial"/>
             </a:endParaRPr>
           </a:p>
         </p:txBody>
@@ -1898,7 +1782,7 @@
       </p:grpSpPr>
       <p:sp>
         <p:nvSpPr>
-          <p:cNvPr id="108" name="PlaceHolder 1"/>
+          <p:cNvPr id="102" name="PlaceHolder 1"/>
           <p:cNvSpPr>
             <a:spLocks noGrp="1"/>
           </p:cNvSpPr>
@@ -1908,8 +1792,8 @@
         </p:nvSpPr>
         <p:spPr>
           <a:xfrm>
-            <a:off x="677160" y="609480"/>
-            <a:ext cx="8596440" cy="1320480"/>
+            <a:off x="609480" y="273600"/>
+            <a:ext cx="10972440" cy="1144800"/>
           </a:xfrm>
           <a:prstGeom prst="rect">
             <a:avLst/>
@@ -1920,18 +1804,16 @@
             <a:noAutofit/>
           </a:bodyPr>
           <a:p>
-            <a:endParaRPr b="0" lang="en-US" sz="1800" spc="-1" strike="noStrike">
-              <a:solidFill>
-                <a:srgbClr val="000000"/>
-              </a:solidFill>
-              <a:latin typeface="Trebuchet MS"/>
-            </a:endParaRPr>
-          </a:p>
-        </p:txBody>
-      </p:sp>
-      <p:sp>
-        <p:nvSpPr>
-          <p:cNvPr id="109" name="PlaceHolder 2"/>
+            <a:pPr algn="ctr"/>
+            <a:endParaRPr b="0" lang="en-GB" sz="4400" spc="-1" strike="noStrike">
+              <a:latin typeface="Arial"/>
+            </a:endParaRPr>
+          </a:p>
+        </p:txBody>
+      </p:sp>
+      <p:sp>
+        <p:nvSpPr>
+          <p:cNvPr id="103" name="PlaceHolder 2"/>
           <p:cNvSpPr>
             <a:spLocks noGrp="1"/>
           </p:cNvSpPr>
@@ -1941,8 +1823,8 @@
         </p:nvSpPr>
         <p:spPr>
           <a:xfrm>
-            <a:off x="677160" y="2160720"/>
-            <a:ext cx="2767680" cy="1850760"/>
+            <a:off x="609480" y="1604520"/>
+            <a:ext cx="3533040" cy="1896840"/>
           </a:xfrm>
           <a:prstGeom prst="rect">
             <a:avLst/>
@@ -1953,18 +1835,15 @@
             <a:normAutofit/>
           </a:bodyPr>
           <a:p>
-            <a:endParaRPr b="0" lang="en-US" sz="1800" spc="-1" strike="noStrike">
-              <a:solidFill>
-                <a:srgbClr val="404040"/>
-              </a:solidFill>
-              <a:latin typeface="Trebuchet MS"/>
-            </a:endParaRPr>
-          </a:p>
-        </p:txBody>
-      </p:sp>
-      <p:sp>
-        <p:nvSpPr>
-          <p:cNvPr id="110" name="PlaceHolder 3"/>
+            <a:endParaRPr b="0" lang="en-GB" sz="3200" spc="-1" strike="noStrike">
+              <a:latin typeface="Arial"/>
+            </a:endParaRPr>
+          </a:p>
+        </p:txBody>
+      </p:sp>
+      <p:sp>
+        <p:nvSpPr>
+          <p:cNvPr id="104" name="PlaceHolder 3"/>
           <p:cNvSpPr>
             <a:spLocks noGrp="1"/>
           </p:cNvSpPr>
@@ -1974,8 +1853,8 @@
         </p:nvSpPr>
         <p:spPr>
           <a:xfrm>
-            <a:off x="3583440" y="2160720"/>
-            <a:ext cx="2767680" cy="1850760"/>
+            <a:off x="4319640" y="1604520"/>
+            <a:ext cx="3533040" cy="1896840"/>
           </a:xfrm>
           <a:prstGeom prst="rect">
             <a:avLst/>
@@ -1986,18 +1865,15 @@
             <a:normAutofit/>
           </a:bodyPr>
           <a:p>
-            <a:endParaRPr b="0" lang="en-US" sz="1800" spc="-1" strike="noStrike">
-              <a:solidFill>
-                <a:srgbClr val="404040"/>
-              </a:solidFill>
-              <a:latin typeface="Trebuchet MS"/>
-            </a:endParaRPr>
-          </a:p>
-        </p:txBody>
-      </p:sp>
-      <p:sp>
-        <p:nvSpPr>
-          <p:cNvPr id="111" name="PlaceHolder 4"/>
+            <a:endParaRPr b="0" lang="en-GB" sz="3200" spc="-1" strike="noStrike">
+              <a:latin typeface="Arial"/>
+            </a:endParaRPr>
+          </a:p>
+        </p:txBody>
+      </p:sp>
+      <p:sp>
+        <p:nvSpPr>
+          <p:cNvPr id="105" name="PlaceHolder 4"/>
           <p:cNvSpPr>
             <a:spLocks noGrp="1"/>
           </p:cNvSpPr>
@@ -2007,8 +1883,8 @@
         </p:nvSpPr>
         <p:spPr>
           <a:xfrm>
-            <a:off x="6490080" y="2160720"/>
-            <a:ext cx="2767680" cy="1850760"/>
+            <a:off x="8029800" y="1604520"/>
+            <a:ext cx="3533040" cy="1896840"/>
           </a:xfrm>
           <a:prstGeom prst="rect">
             <a:avLst/>
@@ -2019,18 +1895,15 @@
             <a:normAutofit/>
           </a:bodyPr>
           <a:p>
-            <a:endParaRPr b="0" lang="en-US" sz="1800" spc="-1" strike="noStrike">
-              <a:solidFill>
-                <a:srgbClr val="404040"/>
-              </a:solidFill>
-              <a:latin typeface="Trebuchet MS"/>
-            </a:endParaRPr>
-          </a:p>
-        </p:txBody>
-      </p:sp>
-      <p:sp>
-        <p:nvSpPr>
-          <p:cNvPr id="112" name="PlaceHolder 5"/>
+            <a:endParaRPr b="0" lang="en-GB" sz="3200" spc="-1" strike="noStrike">
+              <a:latin typeface="Arial"/>
+            </a:endParaRPr>
+          </a:p>
+        </p:txBody>
+      </p:sp>
+      <p:sp>
+        <p:nvSpPr>
+          <p:cNvPr id="106" name="PlaceHolder 5"/>
           <p:cNvSpPr>
             <a:spLocks noGrp="1"/>
           </p:cNvSpPr>
@@ -2040,8 +1913,8 @@
         </p:nvSpPr>
         <p:spPr>
           <a:xfrm>
-            <a:off x="677160" y="4187520"/>
-            <a:ext cx="2767680" cy="1850760"/>
+            <a:off x="609480" y="3682080"/>
+            <a:ext cx="3533040" cy="1896840"/>
           </a:xfrm>
           <a:prstGeom prst="rect">
             <a:avLst/>
@@ -2052,18 +1925,15 @@
             <a:normAutofit/>
           </a:bodyPr>
           <a:p>
-            <a:endParaRPr b="0" lang="en-US" sz="1800" spc="-1" strike="noStrike">
-              <a:solidFill>
-                <a:srgbClr val="404040"/>
-              </a:solidFill>
-              <a:latin typeface="Trebuchet MS"/>
-            </a:endParaRPr>
-          </a:p>
-        </p:txBody>
-      </p:sp>
-      <p:sp>
-        <p:nvSpPr>
-          <p:cNvPr id="113" name="PlaceHolder 6"/>
+            <a:endParaRPr b="0" lang="en-GB" sz="3200" spc="-1" strike="noStrike">
+              <a:latin typeface="Arial"/>
+            </a:endParaRPr>
+          </a:p>
+        </p:txBody>
+      </p:sp>
+      <p:sp>
+        <p:nvSpPr>
+          <p:cNvPr id="107" name="PlaceHolder 6"/>
           <p:cNvSpPr>
             <a:spLocks noGrp="1"/>
           </p:cNvSpPr>
@@ -2073,8 +1943,8 @@
         </p:nvSpPr>
         <p:spPr>
           <a:xfrm>
-            <a:off x="3583440" y="4187520"/>
-            <a:ext cx="2767680" cy="1850760"/>
+            <a:off x="4319640" y="3682080"/>
+            <a:ext cx="3533040" cy="1896840"/>
           </a:xfrm>
           <a:prstGeom prst="rect">
             <a:avLst/>
@@ -2085,18 +1955,15 @@
             <a:normAutofit/>
           </a:bodyPr>
           <a:p>
-            <a:endParaRPr b="0" lang="en-US" sz="1800" spc="-1" strike="noStrike">
-              <a:solidFill>
-                <a:srgbClr val="404040"/>
-              </a:solidFill>
-              <a:latin typeface="Trebuchet MS"/>
-            </a:endParaRPr>
-          </a:p>
-        </p:txBody>
-      </p:sp>
-      <p:sp>
-        <p:nvSpPr>
-          <p:cNvPr id="114" name="PlaceHolder 7"/>
+            <a:endParaRPr b="0" lang="en-GB" sz="3200" spc="-1" strike="noStrike">
+              <a:latin typeface="Arial"/>
+            </a:endParaRPr>
+          </a:p>
+        </p:txBody>
+      </p:sp>
+      <p:sp>
+        <p:nvSpPr>
+          <p:cNvPr id="108" name="PlaceHolder 7"/>
           <p:cNvSpPr>
             <a:spLocks noGrp="1"/>
           </p:cNvSpPr>
@@ -2106,8 +1973,8 @@
         </p:nvSpPr>
         <p:spPr>
           <a:xfrm>
-            <a:off x="6490080" y="4187520"/>
-            <a:ext cx="2767680" cy="1850760"/>
+            <a:off x="8029800" y="3682080"/>
+            <a:ext cx="3533040" cy="1896840"/>
           </a:xfrm>
           <a:prstGeom prst="rect">
             <a:avLst/>
@@ -2118,11 +1985,8 @@
             <a:normAutofit/>
           </a:bodyPr>
           <a:p>
-            <a:endParaRPr b="0" lang="en-US" sz="1800" spc="-1" strike="noStrike">
-              <a:solidFill>
-                <a:srgbClr val="404040"/>
-              </a:solidFill>
-              <a:latin typeface="Trebuchet MS"/>
+            <a:endParaRPr b="0" lang="en-GB" sz="3200" spc="-1" strike="noStrike">
+              <a:latin typeface="Arial"/>
             </a:endParaRPr>
           </a:p>
         </p:txBody>
@@ -2151,7 +2015,7 @@
       </p:grpSpPr>
       <p:sp>
         <p:nvSpPr>
-          <p:cNvPr id="29" name="PlaceHolder 1"/>
+          <p:cNvPr id="26" name="PlaceHolder 1"/>
           <p:cNvSpPr>
             <a:spLocks noGrp="1"/>
           </p:cNvSpPr>
@@ -2161,8 +2025,8 @@
         </p:nvSpPr>
         <p:spPr>
           <a:xfrm>
-            <a:off x="677160" y="609480"/>
-            <a:ext cx="8596440" cy="1320480"/>
+            <a:off x="609480" y="273600"/>
+            <a:ext cx="10972440" cy="1144800"/>
           </a:xfrm>
           <a:prstGeom prst="rect">
             <a:avLst/>
@@ -2173,18 +2037,16 @@
             <a:noAutofit/>
           </a:bodyPr>
           <a:p>
-            <a:endParaRPr b="0" lang="en-US" sz="1800" spc="-1" strike="noStrike">
-              <a:solidFill>
-                <a:srgbClr val="000000"/>
-              </a:solidFill>
-              <a:latin typeface="Trebuchet MS"/>
-            </a:endParaRPr>
-          </a:p>
-        </p:txBody>
-      </p:sp>
-      <p:sp>
-        <p:nvSpPr>
-          <p:cNvPr id="30" name="PlaceHolder 2"/>
+            <a:pPr algn="ctr"/>
+            <a:endParaRPr b="0" lang="en-GB" sz="4400" spc="-1" strike="noStrike">
+              <a:latin typeface="Arial"/>
+            </a:endParaRPr>
+          </a:p>
+        </p:txBody>
+      </p:sp>
+      <p:sp>
+        <p:nvSpPr>
+          <p:cNvPr id="27" name="PlaceHolder 2"/>
           <p:cNvSpPr>
             <a:spLocks noGrp="1"/>
           </p:cNvSpPr>
@@ -2194,8 +2056,8 @@
         </p:nvSpPr>
         <p:spPr>
           <a:xfrm>
-            <a:off x="677160" y="2160720"/>
-            <a:ext cx="8596440" cy="3880440"/>
+            <a:off x="609480" y="1604520"/>
+            <a:ext cx="10972440" cy="3977280"/>
           </a:xfrm>
           <a:prstGeom prst="rect">
             <a:avLst/>
@@ -2206,11 +2068,8 @@
             <a:normAutofit/>
           </a:bodyPr>
           <a:p>
-            <a:endParaRPr b="0" lang="en-US" sz="1800" spc="-1" strike="noStrike">
-              <a:solidFill>
-                <a:srgbClr val="404040"/>
-              </a:solidFill>
-              <a:latin typeface="Trebuchet MS"/>
+            <a:endParaRPr b="0" lang="en-GB" sz="3200" spc="-1" strike="noStrike">
+              <a:latin typeface="Arial"/>
             </a:endParaRPr>
           </a:p>
         </p:txBody>
@@ -2239,7 +2098,7 @@
       </p:grpSpPr>
       <p:sp>
         <p:nvSpPr>
-          <p:cNvPr id="31" name="PlaceHolder 1"/>
+          <p:cNvPr id="28" name="PlaceHolder 1"/>
           <p:cNvSpPr>
             <a:spLocks noGrp="1"/>
           </p:cNvSpPr>
@@ -2249,8 +2108,8 @@
         </p:nvSpPr>
         <p:spPr>
           <a:xfrm>
-            <a:off x="677160" y="609480"/>
-            <a:ext cx="8596440" cy="1320480"/>
+            <a:off x="609480" y="273600"/>
+            <a:ext cx="10972440" cy="1144800"/>
           </a:xfrm>
           <a:prstGeom prst="rect">
             <a:avLst/>
@@ -2261,18 +2120,16 @@
             <a:noAutofit/>
           </a:bodyPr>
           <a:p>
-            <a:endParaRPr b="0" lang="en-US" sz="1800" spc="-1" strike="noStrike">
-              <a:solidFill>
-                <a:srgbClr val="000000"/>
-              </a:solidFill>
-              <a:latin typeface="Trebuchet MS"/>
-            </a:endParaRPr>
-          </a:p>
-        </p:txBody>
-      </p:sp>
-      <p:sp>
-        <p:nvSpPr>
-          <p:cNvPr id="32" name="PlaceHolder 2"/>
+            <a:pPr algn="ctr"/>
+            <a:endParaRPr b="0" lang="en-GB" sz="4400" spc="-1" strike="noStrike">
+              <a:latin typeface="Arial"/>
+            </a:endParaRPr>
+          </a:p>
+        </p:txBody>
+      </p:sp>
+      <p:sp>
+        <p:nvSpPr>
+          <p:cNvPr id="29" name="PlaceHolder 2"/>
           <p:cNvSpPr>
             <a:spLocks noGrp="1"/>
           </p:cNvSpPr>
@@ -2282,8 +2139,8 @@
         </p:nvSpPr>
         <p:spPr>
           <a:xfrm>
-            <a:off x="677160" y="2160720"/>
-            <a:ext cx="4194720" cy="3880440"/>
+            <a:off x="609480" y="1604520"/>
+            <a:ext cx="5354280" cy="3977280"/>
           </a:xfrm>
           <a:prstGeom prst="rect">
             <a:avLst/>
@@ -2294,18 +2151,15 @@
             <a:normAutofit/>
           </a:bodyPr>
           <a:p>
-            <a:endParaRPr b="0" lang="en-US" sz="1800" spc="-1" strike="noStrike">
-              <a:solidFill>
-                <a:srgbClr val="404040"/>
-              </a:solidFill>
-              <a:latin typeface="Trebuchet MS"/>
-            </a:endParaRPr>
-          </a:p>
-        </p:txBody>
-      </p:sp>
-      <p:sp>
-        <p:nvSpPr>
-          <p:cNvPr id="33" name="PlaceHolder 3"/>
+            <a:endParaRPr b="0" lang="en-GB" sz="3200" spc="-1" strike="noStrike">
+              <a:latin typeface="Arial"/>
+            </a:endParaRPr>
+          </a:p>
+        </p:txBody>
+      </p:sp>
+      <p:sp>
+        <p:nvSpPr>
+          <p:cNvPr id="30" name="PlaceHolder 3"/>
           <p:cNvSpPr>
             <a:spLocks noGrp="1"/>
           </p:cNvSpPr>
@@ -2315,8 +2169,8 @@
         </p:nvSpPr>
         <p:spPr>
           <a:xfrm>
-            <a:off x="5082120" y="2160720"/>
-            <a:ext cx="4194720" cy="3880440"/>
+            <a:off x="6231960" y="1604520"/>
+            <a:ext cx="5354280" cy="3977280"/>
           </a:xfrm>
           <a:prstGeom prst="rect">
             <a:avLst/>
@@ -2327,11 +2181,8 @@
             <a:normAutofit/>
           </a:bodyPr>
           <a:p>
-            <a:endParaRPr b="0" lang="en-US" sz="1800" spc="-1" strike="noStrike">
-              <a:solidFill>
-                <a:srgbClr val="404040"/>
-              </a:solidFill>
-              <a:latin typeface="Trebuchet MS"/>
+            <a:endParaRPr b="0" lang="en-GB" sz="3200" spc="-1" strike="noStrike">
+              <a:latin typeface="Arial"/>
             </a:endParaRPr>
           </a:p>
         </p:txBody>
@@ -2360,7 +2211,7 @@
       </p:grpSpPr>
       <p:sp>
         <p:nvSpPr>
-          <p:cNvPr id="34" name="PlaceHolder 1"/>
+          <p:cNvPr id="31" name="PlaceHolder 1"/>
           <p:cNvSpPr>
             <a:spLocks noGrp="1"/>
           </p:cNvSpPr>
@@ -2370,8 +2221,8 @@
         </p:nvSpPr>
         <p:spPr>
           <a:xfrm>
-            <a:off x="677160" y="609480"/>
-            <a:ext cx="8596440" cy="1320480"/>
+            <a:off x="609480" y="273600"/>
+            <a:ext cx="10972440" cy="1144800"/>
           </a:xfrm>
           <a:prstGeom prst="rect">
             <a:avLst/>
@@ -2382,11 +2233,9 @@
             <a:noAutofit/>
           </a:bodyPr>
           <a:p>
-            <a:endParaRPr b="0" lang="en-US" sz="1800" spc="-1" strike="noStrike">
-              <a:solidFill>
-                <a:srgbClr val="000000"/>
-              </a:solidFill>
-              <a:latin typeface="Trebuchet MS"/>
+            <a:pPr algn="ctr"/>
+            <a:endParaRPr b="0" lang="en-GB" sz="4400" spc="-1" strike="noStrike">
+              <a:latin typeface="Arial"/>
             </a:endParaRPr>
           </a:p>
         </p:txBody>
@@ -2415,7 +2264,7 @@
       </p:grpSpPr>
       <p:sp>
         <p:nvSpPr>
-          <p:cNvPr id="35" name="PlaceHolder 1"/>
+          <p:cNvPr id="32" name="PlaceHolder 1"/>
           <p:cNvSpPr>
             <a:spLocks noGrp="1"/>
           </p:cNvSpPr>
@@ -2425,8 +2274,8 @@
         </p:nvSpPr>
         <p:spPr>
           <a:xfrm>
-            <a:off x="677160" y="609480"/>
-            <a:ext cx="8596440" cy="6122160"/>
+            <a:off x="609480" y="273600"/>
+            <a:ext cx="10972440" cy="5307840"/>
           </a:xfrm>
           <a:prstGeom prst="rect">
             <a:avLst/>
@@ -2468,7 +2317,7 @@
       </p:grpSpPr>
       <p:sp>
         <p:nvSpPr>
-          <p:cNvPr id="36" name="PlaceHolder 1"/>
+          <p:cNvPr id="33" name="PlaceHolder 1"/>
           <p:cNvSpPr>
             <a:spLocks noGrp="1"/>
           </p:cNvSpPr>
@@ -2478,8 +2327,8 @@
         </p:nvSpPr>
         <p:spPr>
           <a:xfrm>
-            <a:off x="677160" y="609480"/>
-            <a:ext cx="8596440" cy="1320480"/>
+            <a:off x="609480" y="273600"/>
+            <a:ext cx="10972440" cy="1144800"/>
           </a:xfrm>
           <a:prstGeom prst="rect">
             <a:avLst/>
@@ -2490,18 +2339,16 @@
             <a:noAutofit/>
           </a:bodyPr>
           <a:p>
-            <a:endParaRPr b="0" lang="en-US" sz="1800" spc="-1" strike="noStrike">
-              <a:solidFill>
-                <a:srgbClr val="000000"/>
-              </a:solidFill>
-              <a:latin typeface="Trebuchet MS"/>
-            </a:endParaRPr>
-          </a:p>
-        </p:txBody>
-      </p:sp>
-      <p:sp>
-        <p:nvSpPr>
-          <p:cNvPr id="37" name="PlaceHolder 2"/>
+            <a:pPr algn="ctr"/>
+            <a:endParaRPr b="0" lang="en-GB" sz="4400" spc="-1" strike="noStrike">
+              <a:latin typeface="Arial"/>
+            </a:endParaRPr>
+          </a:p>
+        </p:txBody>
+      </p:sp>
+      <p:sp>
+        <p:nvSpPr>
+          <p:cNvPr id="34" name="PlaceHolder 2"/>
           <p:cNvSpPr>
             <a:spLocks noGrp="1"/>
           </p:cNvSpPr>
@@ -2511,8 +2358,8 @@
         </p:nvSpPr>
         <p:spPr>
           <a:xfrm>
-            <a:off x="677160" y="2160720"/>
-            <a:ext cx="4194720" cy="1850760"/>
+            <a:off x="609480" y="1604520"/>
+            <a:ext cx="5354280" cy="1896840"/>
           </a:xfrm>
           <a:prstGeom prst="rect">
             <a:avLst/>
@@ -2523,18 +2370,15 @@
             <a:normAutofit/>
           </a:bodyPr>
           <a:p>
-            <a:endParaRPr b="0" lang="en-US" sz="1800" spc="-1" strike="noStrike">
-              <a:solidFill>
-                <a:srgbClr val="404040"/>
-              </a:solidFill>
-              <a:latin typeface="Trebuchet MS"/>
-            </a:endParaRPr>
-          </a:p>
-        </p:txBody>
-      </p:sp>
-      <p:sp>
-        <p:nvSpPr>
-          <p:cNvPr id="38" name="PlaceHolder 3"/>
+            <a:endParaRPr b="0" lang="en-GB" sz="3200" spc="-1" strike="noStrike">
+              <a:latin typeface="Arial"/>
+            </a:endParaRPr>
+          </a:p>
+        </p:txBody>
+      </p:sp>
+      <p:sp>
+        <p:nvSpPr>
+          <p:cNvPr id="35" name="PlaceHolder 3"/>
           <p:cNvSpPr>
             <a:spLocks noGrp="1"/>
           </p:cNvSpPr>
@@ -2544,8 +2388,8 @@
         </p:nvSpPr>
         <p:spPr>
           <a:xfrm>
-            <a:off x="5082120" y="2160720"/>
-            <a:ext cx="4194720" cy="3880440"/>
+            <a:off x="6231960" y="1604520"/>
+            <a:ext cx="5354280" cy="3977280"/>
           </a:xfrm>
           <a:prstGeom prst="rect">
             <a:avLst/>
@@ -2556,18 +2400,15 @@
             <a:normAutofit/>
           </a:bodyPr>
           <a:p>
-            <a:endParaRPr b="0" lang="en-US" sz="1800" spc="-1" strike="noStrike">
-              <a:solidFill>
-                <a:srgbClr val="404040"/>
-              </a:solidFill>
-              <a:latin typeface="Trebuchet MS"/>
-            </a:endParaRPr>
-          </a:p>
-        </p:txBody>
-      </p:sp>
-      <p:sp>
-        <p:nvSpPr>
-          <p:cNvPr id="39" name="PlaceHolder 4"/>
+            <a:endParaRPr b="0" lang="en-GB" sz="3200" spc="-1" strike="noStrike">
+              <a:latin typeface="Arial"/>
+            </a:endParaRPr>
+          </a:p>
+        </p:txBody>
+      </p:sp>
+      <p:sp>
+        <p:nvSpPr>
+          <p:cNvPr id="36" name="PlaceHolder 4"/>
           <p:cNvSpPr>
             <a:spLocks noGrp="1"/>
           </p:cNvSpPr>
@@ -2577,8 +2418,8 @@
         </p:nvSpPr>
         <p:spPr>
           <a:xfrm>
-            <a:off x="677160" y="4187520"/>
-            <a:ext cx="4194720" cy="1850760"/>
+            <a:off x="609480" y="3682080"/>
+            <a:ext cx="5354280" cy="1896840"/>
           </a:xfrm>
           <a:prstGeom prst="rect">
             <a:avLst/>
@@ -2589,11 +2430,8 @@
             <a:normAutofit/>
           </a:bodyPr>
           <a:p>
-            <a:endParaRPr b="0" lang="en-US" sz="1800" spc="-1" strike="noStrike">
-              <a:solidFill>
-                <a:srgbClr val="404040"/>
-              </a:solidFill>
-              <a:latin typeface="Trebuchet MS"/>
+            <a:endParaRPr b="0" lang="en-GB" sz="3200" spc="-1" strike="noStrike">
+              <a:latin typeface="Arial"/>
             </a:endParaRPr>
           </a:p>
         </p:txBody>
@@ -2622,7 +2460,7 @@
       </p:grpSpPr>
       <p:sp>
         <p:nvSpPr>
-          <p:cNvPr id="40" name="PlaceHolder 1"/>
+          <p:cNvPr id="37" name="PlaceHolder 1"/>
           <p:cNvSpPr>
             <a:spLocks noGrp="1"/>
           </p:cNvSpPr>
@@ -2632,8 +2470,8 @@
         </p:nvSpPr>
         <p:spPr>
           <a:xfrm>
-            <a:off x="677160" y="609480"/>
-            <a:ext cx="8596440" cy="1320480"/>
+            <a:off x="609480" y="273600"/>
+            <a:ext cx="10972440" cy="1144800"/>
           </a:xfrm>
           <a:prstGeom prst="rect">
             <a:avLst/>
@@ -2644,18 +2482,16 @@
             <a:noAutofit/>
           </a:bodyPr>
           <a:p>
-            <a:endParaRPr b="0" lang="en-US" sz="1800" spc="-1" strike="noStrike">
-              <a:solidFill>
-                <a:srgbClr val="000000"/>
-              </a:solidFill>
-              <a:latin typeface="Trebuchet MS"/>
-            </a:endParaRPr>
-          </a:p>
-        </p:txBody>
-      </p:sp>
-      <p:sp>
-        <p:nvSpPr>
-          <p:cNvPr id="41" name="PlaceHolder 2"/>
+            <a:pPr algn="ctr"/>
+            <a:endParaRPr b="0" lang="en-GB" sz="4400" spc="-1" strike="noStrike">
+              <a:latin typeface="Arial"/>
+            </a:endParaRPr>
+          </a:p>
+        </p:txBody>
+      </p:sp>
+      <p:sp>
+        <p:nvSpPr>
+          <p:cNvPr id="38" name="PlaceHolder 2"/>
           <p:cNvSpPr>
             <a:spLocks noGrp="1"/>
           </p:cNvSpPr>
@@ -2665,8 +2501,8 @@
         </p:nvSpPr>
         <p:spPr>
           <a:xfrm>
-            <a:off x="677160" y="2160720"/>
-            <a:ext cx="4194720" cy="3880440"/>
+            <a:off x="609480" y="1604520"/>
+            <a:ext cx="5354280" cy="3977280"/>
           </a:xfrm>
           <a:prstGeom prst="rect">
             <a:avLst/>
@@ -2677,18 +2513,15 @@
             <a:normAutofit/>
           </a:bodyPr>
           <a:p>
-            <a:endParaRPr b="0" lang="en-US" sz="1800" spc="-1" strike="noStrike">
-              <a:solidFill>
-                <a:srgbClr val="404040"/>
-              </a:solidFill>
-              <a:latin typeface="Trebuchet MS"/>
-            </a:endParaRPr>
-          </a:p>
-        </p:txBody>
-      </p:sp>
-      <p:sp>
-        <p:nvSpPr>
-          <p:cNvPr id="42" name="PlaceHolder 3"/>
+            <a:endParaRPr b="0" lang="en-GB" sz="3200" spc="-1" strike="noStrike">
+              <a:latin typeface="Arial"/>
+            </a:endParaRPr>
+          </a:p>
+        </p:txBody>
+      </p:sp>
+      <p:sp>
+        <p:nvSpPr>
+          <p:cNvPr id="39" name="PlaceHolder 3"/>
           <p:cNvSpPr>
             <a:spLocks noGrp="1"/>
           </p:cNvSpPr>
@@ -2698,8 +2531,8 @@
         </p:nvSpPr>
         <p:spPr>
           <a:xfrm>
-            <a:off x="5082120" y="2160720"/>
-            <a:ext cx="4194720" cy="1850760"/>
+            <a:off x="6231960" y="1604520"/>
+            <a:ext cx="5354280" cy="1896840"/>
           </a:xfrm>
           <a:prstGeom prst="rect">
             <a:avLst/>
@@ -2710,18 +2543,15 @@
             <a:normAutofit/>
           </a:bodyPr>
           <a:p>
-            <a:endParaRPr b="0" lang="en-US" sz="1800" spc="-1" strike="noStrike">
-              <a:solidFill>
-                <a:srgbClr val="404040"/>
-              </a:solidFill>
-              <a:latin typeface="Trebuchet MS"/>
-            </a:endParaRPr>
-          </a:p>
-        </p:txBody>
-      </p:sp>
-      <p:sp>
-        <p:nvSpPr>
-          <p:cNvPr id="43" name="PlaceHolder 4"/>
+            <a:endParaRPr b="0" lang="en-GB" sz="3200" spc="-1" strike="noStrike">
+              <a:latin typeface="Arial"/>
+            </a:endParaRPr>
+          </a:p>
+        </p:txBody>
+      </p:sp>
+      <p:sp>
+        <p:nvSpPr>
+          <p:cNvPr id="40" name="PlaceHolder 4"/>
           <p:cNvSpPr>
             <a:spLocks noGrp="1"/>
           </p:cNvSpPr>
@@ -2731,8 +2561,8 @@
         </p:nvSpPr>
         <p:spPr>
           <a:xfrm>
-            <a:off x="5082120" y="4187520"/>
-            <a:ext cx="4194720" cy="1850760"/>
+            <a:off x="6231960" y="3682080"/>
+            <a:ext cx="5354280" cy="1896840"/>
           </a:xfrm>
           <a:prstGeom prst="rect">
             <a:avLst/>
@@ -2743,11 +2573,8 @@
             <a:normAutofit/>
           </a:bodyPr>
           <a:p>
-            <a:endParaRPr b="0" lang="en-US" sz="1800" spc="-1" strike="noStrike">
-              <a:solidFill>
-                <a:srgbClr val="404040"/>
-              </a:solidFill>
-              <a:latin typeface="Trebuchet MS"/>
+            <a:endParaRPr b="0" lang="en-GB" sz="3200" spc="-1" strike="noStrike">
+              <a:latin typeface="Arial"/>
             </a:endParaRPr>
           </a:p>
         </p:txBody>
@@ -2776,7 +2603,7 @@
       </p:grpSpPr>
       <p:sp>
         <p:nvSpPr>
-          <p:cNvPr id="44" name="PlaceHolder 1"/>
+          <p:cNvPr id="41" name="PlaceHolder 1"/>
           <p:cNvSpPr>
             <a:spLocks noGrp="1"/>
           </p:cNvSpPr>
@@ -2786,8 +2613,8 @@
         </p:nvSpPr>
         <p:spPr>
           <a:xfrm>
-            <a:off x="677160" y="609480"/>
-            <a:ext cx="8596440" cy="1320480"/>
+            <a:off x="609480" y="273600"/>
+            <a:ext cx="10972440" cy="1144800"/>
           </a:xfrm>
           <a:prstGeom prst="rect">
             <a:avLst/>
@@ -2798,18 +2625,16 @@
             <a:noAutofit/>
           </a:bodyPr>
           <a:p>
-            <a:endParaRPr b="0" lang="en-US" sz="1800" spc="-1" strike="noStrike">
-              <a:solidFill>
-                <a:srgbClr val="000000"/>
-              </a:solidFill>
-              <a:latin typeface="Trebuchet MS"/>
-            </a:endParaRPr>
-          </a:p>
-        </p:txBody>
-      </p:sp>
-      <p:sp>
-        <p:nvSpPr>
-          <p:cNvPr id="45" name="PlaceHolder 2"/>
+            <a:pPr algn="ctr"/>
+            <a:endParaRPr b="0" lang="en-GB" sz="4400" spc="-1" strike="noStrike">
+              <a:latin typeface="Arial"/>
+            </a:endParaRPr>
+          </a:p>
+        </p:txBody>
+      </p:sp>
+      <p:sp>
+        <p:nvSpPr>
+          <p:cNvPr id="42" name="PlaceHolder 2"/>
           <p:cNvSpPr>
             <a:spLocks noGrp="1"/>
           </p:cNvSpPr>
@@ -2819,8 +2644,8 @@
         </p:nvSpPr>
         <p:spPr>
           <a:xfrm>
-            <a:off x="677160" y="2160720"/>
-            <a:ext cx="4194720" cy="1850760"/>
+            <a:off x="609480" y="1604520"/>
+            <a:ext cx="5354280" cy="1896840"/>
           </a:xfrm>
           <a:prstGeom prst="rect">
             <a:avLst/>
@@ -2831,18 +2656,15 @@
             <a:normAutofit/>
           </a:bodyPr>
           <a:p>
-            <a:endParaRPr b="0" lang="en-US" sz="1800" spc="-1" strike="noStrike">
-              <a:solidFill>
-                <a:srgbClr val="404040"/>
-              </a:solidFill>
-              <a:latin typeface="Trebuchet MS"/>
-            </a:endParaRPr>
-          </a:p>
-        </p:txBody>
-      </p:sp>
-      <p:sp>
-        <p:nvSpPr>
-          <p:cNvPr id="46" name="PlaceHolder 3"/>
+            <a:endParaRPr b="0" lang="en-GB" sz="3200" spc="-1" strike="noStrike">
+              <a:latin typeface="Arial"/>
+            </a:endParaRPr>
+          </a:p>
+        </p:txBody>
+      </p:sp>
+      <p:sp>
+        <p:nvSpPr>
+          <p:cNvPr id="43" name="PlaceHolder 3"/>
           <p:cNvSpPr>
             <a:spLocks noGrp="1"/>
           </p:cNvSpPr>
@@ -2852,8 +2674,8 @@
         </p:nvSpPr>
         <p:spPr>
           <a:xfrm>
-            <a:off x="5082120" y="2160720"/>
-            <a:ext cx="4194720" cy="1850760"/>
+            <a:off x="6231960" y="1604520"/>
+            <a:ext cx="5354280" cy="1896840"/>
           </a:xfrm>
           <a:prstGeom prst="rect">
             <a:avLst/>
@@ -2864,18 +2686,15 @@
             <a:normAutofit/>
           </a:bodyPr>
           <a:p>
-            <a:endParaRPr b="0" lang="en-US" sz="1800" spc="-1" strike="noStrike">
-              <a:solidFill>
-                <a:srgbClr val="404040"/>
-              </a:solidFill>
-              <a:latin typeface="Trebuchet MS"/>
-            </a:endParaRPr>
-          </a:p>
-        </p:txBody>
-      </p:sp>
-      <p:sp>
-        <p:nvSpPr>
-          <p:cNvPr id="47" name="PlaceHolder 4"/>
+            <a:endParaRPr b="0" lang="en-GB" sz="3200" spc="-1" strike="noStrike">
+              <a:latin typeface="Arial"/>
+            </a:endParaRPr>
+          </a:p>
+        </p:txBody>
+      </p:sp>
+      <p:sp>
+        <p:nvSpPr>
+          <p:cNvPr id="44" name="PlaceHolder 4"/>
           <p:cNvSpPr>
             <a:spLocks noGrp="1"/>
           </p:cNvSpPr>
@@ -2885,8 +2704,8 @@
         </p:nvSpPr>
         <p:spPr>
           <a:xfrm>
-            <a:off x="677160" y="4187520"/>
-            <a:ext cx="8596440" cy="1850760"/>
+            <a:off x="609480" y="3682080"/>
+            <a:ext cx="10972440" cy="1896840"/>
           </a:xfrm>
           <a:prstGeom prst="rect">
             <a:avLst/>
@@ -2897,11 +2716,8 @@
             <a:normAutofit/>
           </a:bodyPr>
           <a:p>
-            <a:endParaRPr b="0" lang="en-US" sz="1800" spc="-1" strike="noStrike">
-              <a:solidFill>
-                <a:srgbClr val="404040"/>
-              </a:solidFill>
-              <a:latin typeface="Trebuchet MS"/>
+            <a:endParaRPr b="0" lang="en-GB" sz="3200" spc="-1" strike="noStrike">
+              <a:latin typeface="Arial"/>
             </a:endParaRPr>
           </a:p>
         </p:txBody>
@@ -2944,9 +2760,9 @@
         <p:grpSpPr>
           <a:xfrm>
             <a:off x="0" y="-8640"/>
-            <a:ext cx="12191760" cy="6866640"/>
+            <a:ext cx="12191400" cy="6866640"/>
             <a:chOff x="0" y="-8640"/>
-            <a:chExt cx="12191760" cy="6866640"/>
+            <a:chExt cx="12191400" cy="6866640"/>
           </a:xfrm>
         </p:grpSpPr>
         <p:sp>
@@ -3030,7 +2846,7 @@
           <p:spPr>
             <a:xfrm>
               <a:off x="9181440" y="-8640"/>
-              <a:ext cx="3007080" cy="6866280"/>
+              <a:ext cx="3006720" cy="6865920"/>
             </a:xfrm>
             <a:custGeom>
               <a:avLst/>
@@ -3096,7 +2912,7 @@
           <p:spPr>
             <a:xfrm>
               <a:off x="9603360" y="-8640"/>
-              <a:ext cx="2588040" cy="6866280"/>
+              <a:ext cx="2587680" cy="6865920"/>
             </a:xfrm>
             <a:custGeom>
               <a:avLst/>
@@ -3162,7 +2978,7 @@
           <p:spPr>
             <a:xfrm>
               <a:off x="8932320" y="3048120"/>
-              <a:ext cx="3259440" cy="3809520"/>
+              <a:ext cx="3259080" cy="3809160"/>
             </a:xfrm>
             <a:prstGeom prst="triangle">
               <a:avLst>
@@ -3207,7 +3023,7 @@
           <p:spPr>
             <a:xfrm>
               <a:off x="9334440" y="-8640"/>
-              <a:ext cx="2854080" cy="6866280"/>
+              <a:ext cx="2853720" cy="6865920"/>
             </a:xfrm>
             <a:custGeom>
               <a:avLst/>
@@ -3274,7 +3090,7 @@
           <p:spPr>
             <a:xfrm>
               <a:off x="10898640" y="-8640"/>
-              <a:ext cx="1289880" cy="6866280"/>
+              <a:ext cx="1289520" cy="6865920"/>
             </a:xfrm>
             <a:custGeom>
               <a:avLst/>
@@ -3342,7 +3158,7 @@
           <p:spPr>
             <a:xfrm>
               <a:off x="10938960" y="-8640"/>
-              <a:ext cx="1249560" cy="6866280"/>
+              <a:ext cx="1249200" cy="6865920"/>
             </a:xfrm>
             <a:custGeom>
               <a:avLst/>
@@ -3408,7 +3224,7 @@
           <p:spPr>
             <a:xfrm>
               <a:off x="10371600" y="3589920"/>
-              <a:ext cx="1816920" cy="3267720"/>
+              <a:ext cx="1816560" cy="3267360"/>
             </a:xfrm>
             <a:prstGeom prst="triangle">
               <a:avLst>
@@ -3453,7 +3269,7 @@
           <p:spPr>
             <a:xfrm>
               <a:off x="0" y="4013280"/>
-              <a:ext cx="448200" cy="2844360"/>
+              <a:ext cx="447840" cy="2844000"/>
             </a:xfrm>
             <a:prstGeom prst="triangle">
               <a:avLst>
@@ -3498,10 +3314,10 @@
         </p:nvGrpSpPr>
         <p:grpSpPr>
           <a:xfrm>
-            <a:off x="360" y="-8640"/>
-            <a:ext cx="12191400" cy="6866640"/>
-            <a:chOff x="360" y="-8640"/>
-            <a:chExt cx="12191400" cy="6866640"/>
+            <a:off x="720" y="-8640"/>
+            <a:ext cx="12190680" cy="6866640"/>
+            <a:chOff x="720" y="-8640"/>
+            <a:chExt cx="12190680" cy="6866640"/>
           </a:xfrm>
         </p:grpSpPr>
         <p:sp>
@@ -3585,7 +3401,7 @@
           <p:spPr>
             <a:xfrm>
               <a:off x="9181440" y="-8640"/>
-              <a:ext cx="3007080" cy="6866280"/>
+              <a:ext cx="3006720" cy="6865920"/>
             </a:xfrm>
             <a:custGeom>
               <a:avLst/>
@@ -3651,7 +3467,7 @@
           <p:spPr>
             <a:xfrm>
               <a:off x="9603360" y="-8640"/>
-              <a:ext cx="2588040" cy="6866280"/>
+              <a:ext cx="2587680" cy="6865920"/>
             </a:xfrm>
             <a:custGeom>
               <a:avLst/>
@@ -3717,7 +3533,7 @@
           <p:spPr>
             <a:xfrm>
               <a:off x="8932320" y="3048120"/>
-              <a:ext cx="3259440" cy="3809520"/>
+              <a:ext cx="3259080" cy="3809160"/>
             </a:xfrm>
             <a:prstGeom prst="triangle">
               <a:avLst>
@@ -3762,7 +3578,7 @@
           <p:spPr>
             <a:xfrm>
               <a:off x="9334440" y="-8640"/>
-              <a:ext cx="2854080" cy="6866280"/>
+              <a:ext cx="2853720" cy="6865920"/>
             </a:xfrm>
             <a:custGeom>
               <a:avLst/>
@@ -3829,7 +3645,7 @@
           <p:spPr>
             <a:xfrm>
               <a:off x="10898640" y="-8640"/>
-              <a:ext cx="1289880" cy="6866280"/>
+              <a:ext cx="1289520" cy="6865920"/>
             </a:xfrm>
             <a:custGeom>
               <a:avLst/>
@@ -3897,7 +3713,7 @@
           <p:spPr>
             <a:xfrm>
               <a:off x="10938960" y="-8640"/>
-              <a:ext cx="1249560" cy="6866280"/>
+              <a:ext cx="1249200" cy="6865920"/>
             </a:xfrm>
             <a:custGeom>
               <a:avLst/>
@@ -3963,7 +3779,7 @@
           <p:spPr>
             <a:xfrm>
               <a:off x="10371600" y="3589920"/>
-              <a:ext cx="1816920" cy="3267720"/>
+              <a:ext cx="1816560" cy="3267360"/>
             </a:xfrm>
             <a:prstGeom prst="triangle">
               <a:avLst>
@@ -4007,8 +3823,8 @@
           </p:nvSpPr>
           <p:spPr>
             <a:xfrm rot="10800000">
-              <a:off x="360" y="360"/>
-              <a:ext cx="842400" cy="5665680"/>
+              <a:off x="720" y="720"/>
+              <a:ext cx="842040" cy="5665320"/>
             </a:xfrm>
             <a:prstGeom prst="triangle">
               <a:avLst>
@@ -4057,37 +3873,26 @@
         </p:nvSpPr>
         <p:spPr>
           <a:xfrm>
-            <a:off x="1506960" y="2404440"/>
-            <a:ext cx="7766640" cy="1645920"/>
-          </a:xfrm>
-          <a:prstGeom prst="rect">
-            <a:avLst/>
-          </a:prstGeom>
-        </p:spPr>
-        <p:txBody>
-          <a:bodyPr anchor="b">
+            <a:off x="677160" y="609480"/>
+            <a:ext cx="8596080" cy="1320120"/>
+          </a:xfrm>
+          <a:prstGeom prst="rect">
+            <a:avLst/>
+          </a:prstGeom>
+        </p:spPr>
+        <p:txBody>
+          <a:bodyPr lIns="0" rIns="0" tIns="0" bIns="0" anchor="ctr">
             <a:noAutofit/>
           </a:bodyPr>
           <a:p>
-            <a:pPr algn="r">
-              <a:lnSpc>
-                <a:spcPct val="100000"/>
-              </a:lnSpc>
-            </a:pPr>
             <a:r>
-              <a:rPr b="0" lang="nl-NL" sz="5400" spc="-1" strike="noStrike">
-                <a:solidFill>
-                  <a:srgbClr val="90c226"/>
-                </a:solidFill>
-                <a:latin typeface="Trebuchet MS"/>
+              <a:rPr b="0" lang="en-GB" sz="1800" spc="-1" strike="noStrike">
+                <a:latin typeface="Arial"/>
               </a:rPr>
-              <a:t>Klik om stijl te bewerken</a:t>
+              <a:t>Click to edit the title text format</a:t>
             </a:r>
-            <a:endParaRPr b="0" lang="en-US" sz="5400" spc="-1" strike="noStrike">
-              <a:solidFill>
-                <a:srgbClr val="000000"/>
-              </a:solidFill>
-              <a:latin typeface="Trebuchet MS"/>
+            <a:endParaRPr b="0" lang="en-GB" sz="1800" spc="-1" strike="noStrike">
+              <a:latin typeface="Arial"/>
             </a:endParaRPr>
           </a:p>
         </p:txBody>
@@ -4095,124 +3900,6 @@
       <p:sp>
         <p:nvSpPr>
           <p:cNvPr id="23" name="PlaceHolder 24"/>
-          <p:cNvSpPr>
-            <a:spLocks noGrp="1"/>
-          </p:cNvSpPr>
-          <p:nvPr>
-            <p:ph type="dt"/>
-          </p:nvPr>
-        </p:nvSpPr>
-        <p:spPr>
-          <a:xfrm>
-            <a:off x="7205040" y="6041520"/>
-            <a:ext cx="911520" cy="364680"/>
-          </a:xfrm>
-          <a:prstGeom prst="rect">
-            <a:avLst/>
-          </a:prstGeom>
-        </p:spPr>
-        <p:txBody>
-          <a:bodyPr anchor="ctr">
-            <a:noAutofit/>
-          </a:bodyPr>
-          <a:p>
-            <a:pPr algn="r">
-              <a:lnSpc>
-                <a:spcPct val="100000"/>
-              </a:lnSpc>
-            </a:pPr>
-            <a:fld id="{E963C25C-8789-4849-A633-BCBAD7E652C4}" type="datetime">
-              <a:rPr b="0" lang="nl-BE" sz="900" spc="-1" strike="noStrike">
-                <a:solidFill>
-                  <a:srgbClr val="8b8b8b"/>
-                </a:solidFill>
-                <a:latin typeface="Trebuchet MS"/>
-              </a:rPr>
-              <a:t>2/12/21</a:t>
-            </a:fld>
-            <a:endParaRPr b="0" lang="en-GB" sz="900" spc="-1" strike="noStrike">
-              <a:latin typeface="Times New Roman"/>
-            </a:endParaRPr>
-          </a:p>
-        </p:txBody>
-      </p:sp>
-      <p:sp>
-        <p:nvSpPr>
-          <p:cNvPr id="24" name="PlaceHolder 25"/>
-          <p:cNvSpPr>
-            <a:spLocks noGrp="1"/>
-          </p:cNvSpPr>
-          <p:nvPr>
-            <p:ph type="ftr"/>
-          </p:nvPr>
-        </p:nvSpPr>
-        <p:spPr>
-          <a:xfrm>
-            <a:off x="677160" y="6041520"/>
-            <a:ext cx="6297120" cy="364680"/>
-          </a:xfrm>
-          <a:prstGeom prst="rect">
-            <a:avLst/>
-          </a:prstGeom>
-        </p:spPr>
-        <p:txBody>
-          <a:bodyPr anchor="ctr">
-            <a:noAutofit/>
-          </a:bodyPr>
-          <a:p>
-            <a:endParaRPr b="0" lang="en-GB" sz="2400" spc="-1" strike="noStrike">
-              <a:latin typeface="Times New Roman"/>
-            </a:endParaRPr>
-          </a:p>
-        </p:txBody>
-      </p:sp>
-      <p:sp>
-        <p:nvSpPr>
-          <p:cNvPr id="25" name="PlaceHolder 26"/>
-          <p:cNvSpPr>
-            <a:spLocks noGrp="1"/>
-          </p:cNvSpPr>
-          <p:nvPr>
-            <p:ph type="sldNum"/>
-          </p:nvPr>
-        </p:nvSpPr>
-        <p:spPr>
-          <a:xfrm>
-            <a:off x="8590680" y="6041520"/>
-            <a:ext cx="682920" cy="364680"/>
-          </a:xfrm>
-          <a:prstGeom prst="rect">
-            <a:avLst/>
-          </a:prstGeom>
-        </p:spPr>
-        <p:txBody>
-          <a:bodyPr anchor="ctr">
-            <a:noAutofit/>
-          </a:bodyPr>
-          <a:p>
-            <a:pPr algn="r">
-              <a:lnSpc>
-                <a:spcPct val="100000"/>
-              </a:lnSpc>
-            </a:pPr>
-            <a:fld id="{F728F8BA-0A94-42B9-AF49-371C55BE0167}" type="slidenum">
-              <a:rPr b="0" lang="nl-BE" sz="900" spc="-1" strike="noStrike">
-                <a:solidFill>
-                  <a:srgbClr val="90c226"/>
-                </a:solidFill>
-                <a:latin typeface="Trebuchet MS"/>
-              </a:rPr>
-              <a:t>&lt;number&gt;</a:t>
-            </a:fld>
-            <a:endParaRPr b="0" lang="en-GB" sz="900" spc="-1" strike="noStrike">
-              <a:latin typeface="Times New Roman"/>
-            </a:endParaRPr>
-          </a:p>
-        </p:txBody>
-      </p:sp>
-      <p:sp>
-        <p:nvSpPr>
-          <p:cNvPr id="26" name="PlaceHolder 27"/>
           <p:cNvSpPr>
             <a:spLocks noGrp="1"/>
           </p:cNvSpPr>
@@ -4246,19 +3933,13 @@
               <a:buChar char=""/>
             </a:pPr>
             <a:r>
-              <a:rPr b="0" lang="en-US" sz="1800" spc="-1" strike="noStrike">
-                <a:solidFill>
-                  <a:srgbClr val="404040"/>
-                </a:solidFill>
-                <a:latin typeface="Trebuchet MS"/>
+              <a:rPr b="0" lang="en-GB" sz="3200" spc="-1" strike="noStrike">
+                <a:latin typeface="Arial"/>
               </a:rPr>
               <a:t>Click to edit the outline text format</a:t>
             </a:r>
-            <a:endParaRPr b="0" lang="en-US" sz="1800" spc="-1" strike="noStrike">
-              <a:solidFill>
-                <a:srgbClr val="404040"/>
-              </a:solidFill>
-              <a:latin typeface="Trebuchet MS"/>
+            <a:endParaRPr b="0" lang="en-GB" sz="3200" spc="-1" strike="noStrike">
+              <a:latin typeface="Arial"/>
             </a:endParaRPr>
           </a:p>
           <a:p>
@@ -4274,19 +3955,13 @@
               <a:buChar char=""/>
             </a:pPr>
             <a:r>
-              <a:rPr b="0" lang="en-US" sz="1400" spc="-1" strike="noStrike">
-                <a:solidFill>
-                  <a:srgbClr val="404040"/>
-                </a:solidFill>
-                <a:latin typeface="Trebuchet MS"/>
+              <a:rPr b="0" lang="en-GB" sz="2800" spc="-1" strike="noStrike">
+                <a:latin typeface="Arial"/>
               </a:rPr>
               <a:t>Second Outline Level</a:t>
             </a:r>
-            <a:endParaRPr b="0" lang="en-US" sz="1400" spc="-1" strike="noStrike">
-              <a:solidFill>
-                <a:srgbClr val="404040"/>
-              </a:solidFill>
-              <a:latin typeface="Trebuchet MS"/>
+            <a:endParaRPr b="0" lang="en-GB" sz="2800" spc="-1" strike="noStrike">
+              <a:latin typeface="Arial"/>
             </a:endParaRPr>
           </a:p>
           <a:p>
@@ -4302,19 +3977,13 @@
               <a:buChar char=""/>
             </a:pPr>
             <a:r>
-              <a:rPr b="0" lang="en-US" sz="1200" spc="-1" strike="noStrike">
-                <a:solidFill>
-                  <a:srgbClr val="404040"/>
-                </a:solidFill>
-                <a:latin typeface="Trebuchet MS"/>
+              <a:rPr b="0" lang="en-GB" sz="2400" spc="-1" strike="noStrike">
+                <a:latin typeface="Arial"/>
               </a:rPr>
               <a:t>Third Outline Level</a:t>
             </a:r>
-            <a:endParaRPr b="0" lang="en-US" sz="1200" spc="-1" strike="noStrike">
-              <a:solidFill>
-                <a:srgbClr val="404040"/>
-              </a:solidFill>
-              <a:latin typeface="Trebuchet MS"/>
+            <a:endParaRPr b="0" lang="en-GB" sz="2400" spc="-1" strike="noStrike">
+              <a:latin typeface="Arial"/>
             </a:endParaRPr>
           </a:p>
           <a:p>
@@ -4330,19 +3999,13 @@
               <a:buChar char=""/>
             </a:pPr>
             <a:r>
-              <a:rPr b="0" lang="en-US" sz="1200" spc="-1" strike="noStrike">
-                <a:solidFill>
-                  <a:srgbClr val="404040"/>
-                </a:solidFill>
-                <a:latin typeface="Trebuchet MS"/>
+              <a:rPr b="0" lang="en-GB" sz="2000" spc="-1" strike="noStrike">
+                <a:latin typeface="Arial"/>
               </a:rPr>
               <a:t>Fourth Outline Level</a:t>
             </a:r>
-            <a:endParaRPr b="0" lang="en-US" sz="1200" spc="-1" strike="noStrike">
-              <a:solidFill>
-                <a:srgbClr val="404040"/>
-              </a:solidFill>
-              <a:latin typeface="Trebuchet MS"/>
+            <a:endParaRPr b="0" lang="en-GB" sz="2000" spc="-1" strike="noStrike">
+              <a:latin typeface="Arial"/>
             </a:endParaRPr>
           </a:p>
           <a:p>
@@ -4358,19 +4021,13 @@
               <a:buChar char=""/>
             </a:pPr>
             <a:r>
-              <a:rPr b="0" lang="en-US" sz="2000" spc="-1" strike="noStrike">
-                <a:solidFill>
-                  <a:srgbClr val="404040"/>
-                </a:solidFill>
-                <a:latin typeface="Trebuchet MS"/>
+              <a:rPr b="0" lang="en-GB" sz="2000" spc="-1" strike="noStrike">
+                <a:latin typeface="Arial"/>
               </a:rPr>
               <a:t>Fifth Outline Level</a:t>
             </a:r>
-            <a:endParaRPr b="0" lang="en-US" sz="2000" spc="-1" strike="noStrike">
-              <a:solidFill>
-                <a:srgbClr val="404040"/>
-              </a:solidFill>
-              <a:latin typeface="Trebuchet MS"/>
+            <a:endParaRPr b="0" lang="en-GB" sz="2000" spc="-1" strike="noStrike">
+              <a:latin typeface="Arial"/>
             </a:endParaRPr>
           </a:p>
           <a:p>
@@ -4386,19 +4043,13 @@
               <a:buChar char=""/>
             </a:pPr>
             <a:r>
-              <a:rPr b="0" lang="en-US" sz="2000" spc="-1" strike="noStrike">
-                <a:solidFill>
-                  <a:srgbClr val="404040"/>
-                </a:solidFill>
-                <a:latin typeface="Trebuchet MS"/>
+              <a:rPr b="0" lang="en-GB" sz="2000" spc="-1" strike="noStrike">
+                <a:latin typeface="Arial"/>
               </a:rPr>
               <a:t>Sixth Outline Level</a:t>
             </a:r>
-            <a:endParaRPr b="0" lang="en-US" sz="2000" spc="-1" strike="noStrike">
-              <a:solidFill>
-                <a:srgbClr val="404040"/>
-              </a:solidFill>
-              <a:latin typeface="Trebuchet MS"/>
+            <a:endParaRPr b="0" lang="en-GB" sz="2000" spc="-1" strike="noStrike">
+              <a:latin typeface="Arial"/>
             </a:endParaRPr>
           </a:p>
           <a:p>
@@ -4414,19 +4065,13 @@
               <a:buChar char=""/>
             </a:pPr>
             <a:r>
-              <a:rPr b="0" lang="en-US" sz="2000" spc="-1" strike="noStrike">
-                <a:solidFill>
-                  <a:srgbClr val="404040"/>
-                </a:solidFill>
-                <a:latin typeface="Trebuchet MS"/>
+              <a:rPr b="0" lang="en-GB" sz="2000" spc="-1" strike="noStrike">
+                <a:latin typeface="Arial"/>
               </a:rPr>
               <a:t>Seventh Outline Level</a:t>
             </a:r>
-            <a:endParaRPr b="0" lang="en-US" sz="2000" spc="-1" strike="noStrike">
-              <a:solidFill>
-                <a:srgbClr val="404040"/>
-              </a:solidFill>
-              <a:latin typeface="Trebuchet MS"/>
+            <a:endParaRPr b="0" lang="en-GB" sz="2000" spc="-1" strike="noStrike">
+              <a:latin typeface="Arial"/>
             </a:endParaRPr>
           </a:p>
         </p:txBody>
@@ -4477,21 +4122,21 @@
       </p:grpSpPr>
       <p:grpSp>
         <p:nvGrpSpPr>
-          <p:cNvPr id="63" name="Group 1"/>
+          <p:cNvPr id="60" name="Group 1"/>
           <p:cNvGrpSpPr/>
           <p:nvPr/>
         </p:nvGrpSpPr>
         <p:grpSpPr>
           <a:xfrm>
             <a:off x="0" y="-8640"/>
-            <a:ext cx="12191760" cy="6866640"/>
+            <a:ext cx="12191400" cy="6866640"/>
             <a:chOff x="0" y="-8640"/>
-            <a:chExt cx="12191760" cy="6866640"/>
+            <a:chExt cx="12191400" cy="6866640"/>
           </a:xfrm>
         </p:grpSpPr>
         <p:sp>
           <p:nvSpPr>
-            <p:cNvPr id="64" name="Line 2"/>
+            <p:cNvPr id="61" name="Line 2"/>
             <p:cNvSpPr/>
             <p:nvPr/>
           </p:nvSpPr>
@@ -4527,7 +4172,7 @@
         </p:sp>
         <p:sp>
           <p:nvSpPr>
-            <p:cNvPr id="65" name="Line 3"/>
+            <p:cNvPr id="62" name="Line 3"/>
             <p:cNvSpPr/>
             <p:nvPr/>
           </p:nvSpPr>
@@ -4563,14 +4208,14 @@
         </p:sp>
         <p:sp>
           <p:nvSpPr>
-            <p:cNvPr id="66" name="CustomShape 4"/>
+            <p:cNvPr id="63" name="CustomShape 4"/>
             <p:cNvSpPr/>
             <p:nvPr/>
           </p:nvSpPr>
           <p:spPr>
             <a:xfrm>
               <a:off x="9181440" y="-8640"/>
-              <a:ext cx="3007080" cy="6866280"/>
+              <a:ext cx="3006720" cy="6865920"/>
             </a:xfrm>
             <a:custGeom>
               <a:avLst/>
@@ -4629,14 +4274,14 @@
         </p:sp>
         <p:sp>
           <p:nvSpPr>
-            <p:cNvPr id="67" name="CustomShape 5"/>
+            <p:cNvPr id="64" name="CustomShape 5"/>
             <p:cNvSpPr/>
             <p:nvPr/>
           </p:nvSpPr>
           <p:spPr>
             <a:xfrm>
               <a:off x="9603360" y="-8640"/>
-              <a:ext cx="2588040" cy="6866280"/>
+              <a:ext cx="2587680" cy="6865920"/>
             </a:xfrm>
             <a:custGeom>
               <a:avLst/>
@@ -4695,14 +4340,14 @@
         </p:sp>
         <p:sp>
           <p:nvSpPr>
-            <p:cNvPr id="68" name="CustomShape 6"/>
+            <p:cNvPr id="65" name="CustomShape 6"/>
             <p:cNvSpPr/>
             <p:nvPr/>
           </p:nvSpPr>
           <p:spPr>
             <a:xfrm>
               <a:off x="8932320" y="3048120"/>
-              <a:ext cx="3259440" cy="3809520"/>
+              <a:ext cx="3259080" cy="3809160"/>
             </a:xfrm>
             <a:prstGeom prst="triangle">
               <a:avLst>
@@ -4740,14 +4385,14 @@
         </p:sp>
         <p:sp>
           <p:nvSpPr>
-            <p:cNvPr id="69" name="CustomShape 7"/>
+            <p:cNvPr id="66" name="CustomShape 7"/>
             <p:cNvSpPr/>
             <p:nvPr/>
           </p:nvSpPr>
           <p:spPr>
             <a:xfrm>
               <a:off x="9334440" y="-8640"/>
-              <a:ext cx="2854080" cy="6866280"/>
+              <a:ext cx="2853720" cy="6865920"/>
             </a:xfrm>
             <a:custGeom>
               <a:avLst/>
@@ -4807,14 +4452,14 @@
         </p:sp>
         <p:sp>
           <p:nvSpPr>
-            <p:cNvPr id="70" name="CustomShape 8"/>
+            <p:cNvPr id="67" name="CustomShape 8"/>
             <p:cNvSpPr/>
             <p:nvPr/>
           </p:nvSpPr>
           <p:spPr>
             <a:xfrm>
               <a:off x="10898640" y="-8640"/>
-              <a:ext cx="1289880" cy="6866280"/>
+              <a:ext cx="1289520" cy="6865920"/>
             </a:xfrm>
             <a:custGeom>
               <a:avLst/>
@@ -4875,14 +4520,14 @@
         </p:sp>
         <p:sp>
           <p:nvSpPr>
-            <p:cNvPr id="71" name="CustomShape 9"/>
+            <p:cNvPr id="68" name="CustomShape 9"/>
             <p:cNvSpPr/>
             <p:nvPr/>
           </p:nvSpPr>
           <p:spPr>
             <a:xfrm>
               <a:off x="10938960" y="-8640"/>
-              <a:ext cx="1249560" cy="6866280"/>
+              <a:ext cx="1249200" cy="6865920"/>
             </a:xfrm>
             <a:custGeom>
               <a:avLst/>
@@ -4941,14 +4586,14 @@
         </p:sp>
         <p:sp>
           <p:nvSpPr>
-            <p:cNvPr id="72" name="CustomShape 10"/>
+            <p:cNvPr id="69" name="CustomShape 10"/>
             <p:cNvSpPr/>
             <p:nvPr/>
           </p:nvSpPr>
           <p:spPr>
             <a:xfrm>
               <a:off x="10371600" y="3589920"/>
-              <a:ext cx="1816920" cy="3267720"/>
+              <a:ext cx="1816560" cy="3267360"/>
             </a:xfrm>
             <a:prstGeom prst="triangle">
               <a:avLst>
@@ -4986,14 +4631,14 @@
         </p:sp>
         <p:sp>
           <p:nvSpPr>
-            <p:cNvPr id="73" name="CustomShape 11"/>
+            <p:cNvPr id="70" name="CustomShape 11"/>
             <p:cNvSpPr/>
             <p:nvPr/>
           </p:nvSpPr>
           <p:spPr>
             <a:xfrm>
               <a:off x="0" y="4013280"/>
-              <a:ext cx="448200" cy="2844360"/>
+              <a:ext cx="447840" cy="2844000"/>
             </a:xfrm>
             <a:prstGeom prst="triangle">
               <a:avLst>
@@ -5032,7 +4677,7 @@
       </p:grpSp>
       <p:sp>
         <p:nvSpPr>
-          <p:cNvPr id="74" name="PlaceHolder 12"/>
+          <p:cNvPr id="71" name="PlaceHolder 12"/>
           <p:cNvSpPr>
             <a:spLocks noGrp="1"/>
           </p:cNvSpPr>
@@ -5042,335 +4687,206 @@
         </p:nvSpPr>
         <p:spPr>
           <a:xfrm>
-            <a:off x="677160" y="609480"/>
-            <a:ext cx="8596440" cy="1320480"/>
-          </a:xfrm>
-          <a:prstGeom prst="rect">
-            <a:avLst/>
-          </a:prstGeom>
-        </p:spPr>
-        <p:txBody>
-          <a:bodyPr>
+            <a:off x="609480" y="273600"/>
+            <a:ext cx="10972440" cy="1144800"/>
+          </a:xfrm>
+          <a:prstGeom prst="rect">
+            <a:avLst/>
+          </a:prstGeom>
+        </p:spPr>
+        <p:txBody>
+          <a:bodyPr lIns="0" rIns="0" tIns="0" bIns="0" anchor="ctr">
+            <a:noAutofit/>
+          </a:bodyPr>
+          <a:p>
+            <a:pPr algn="ctr"/>
+            <a:r>
+              <a:rPr b="0" lang="en-GB" sz="4400" spc="-1" strike="noStrike">
+                <a:latin typeface="Arial"/>
+              </a:rPr>
+              <a:t>Click to edit the title text format</a:t>
+            </a:r>
+            <a:endParaRPr b="0" lang="en-GB" sz="4400" spc="-1" strike="noStrike">
+              <a:latin typeface="Arial"/>
+            </a:endParaRPr>
+          </a:p>
+        </p:txBody>
+      </p:sp>
+      <p:sp>
+        <p:nvSpPr>
+          <p:cNvPr id="72" name="PlaceHolder 13"/>
+          <p:cNvSpPr>
+            <a:spLocks noGrp="1"/>
+          </p:cNvSpPr>
+          <p:nvPr>
+            <p:ph type="body"/>
+          </p:nvPr>
+        </p:nvSpPr>
+        <p:spPr>
+          <a:xfrm>
+            <a:off x="609480" y="1604520"/>
+            <a:ext cx="10972440" cy="3977280"/>
+          </a:xfrm>
+          <a:prstGeom prst="rect">
+            <a:avLst/>
+          </a:prstGeom>
+        </p:spPr>
+        <p:txBody>
+          <a:bodyPr lIns="0" rIns="0" tIns="0" bIns="0">
             <a:normAutofit/>
           </a:bodyPr>
           <a:p>
-            <a:pPr>
-              <a:lnSpc>
-                <a:spcPct val="100000"/>
-              </a:lnSpc>
+            <a:pPr marL="432000" indent="-324000">
+              <a:spcBef>
+                <a:spcPts val="1417"/>
+              </a:spcBef>
+              <a:buClr>
+                <a:srgbClr val="000000"/>
+              </a:buClr>
+              <a:buSzPct val="45000"/>
+              <a:buFont typeface="Wingdings" charset="2"/>
+              <a:buChar char=""/>
             </a:pPr>
             <a:r>
-              <a:rPr b="0" lang="nl-NL" sz="3600" spc="-1" strike="noStrike">
-                <a:solidFill>
-                  <a:srgbClr val="90c226"/>
-                </a:solidFill>
-                <a:latin typeface="Trebuchet MS"/>
+              <a:rPr b="0" lang="en-GB" sz="3200" spc="-1" strike="noStrike">
+                <a:latin typeface="Arial"/>
               </a:rPr>
-              <a:t>Klik om stijl te bewerken</a:t>
+              <a:t>Click to edit the outline text format</a:t>
             </a:r>
-            <a:endParaRPr b="0" lang="en-US" sz="3600" spc="-1" strike="noStrike">
-              <a:solidFill>
-                <a:srgbClr val="000000"/>
-              </a:solidFill>
-              <a:latin typeface="Trebuchet MS"/>
-            </a:endParaRPr>
-          </a:p>
-        </p:txBody>
-      </p:sp>
-      <p:sp>
-        <p:nvSpPr>
-          <p:cNvPr id="75" name="PlaceHolder 13"/>
-          <p:cNvSpPr>
-            <a:spLocks noGrp="1"/>
-          </p:cNvSpPr>
-          <p:nvPr>
-            <p:ph type="body"/>
-          </p:nvPr>
-        </p:nvSpPr>
-        <p:spPr>
-          <a:xfrm>
-            <a:off x="677160" y="2160720"/>
-            <a:ext cx="8596440" cy="3880440"/>
-          </a:xfrm>
-          <a:prstGeom prst="rect">
-            <a:avLst/>
-          </a:prstGeom>
-        </p:spPr>
-        <p:txBody>
-          <a:bodyPr>
-            <a:noAutofit/>
-          </a:bodyPr>
-          <a:p>
-            <a:pPr marL="343080" indent="-342720">
-              <a:lnSpc>
-                <a:spcPct val="100000"/>
-              </a:lnSpc>
+            <a:endParaRPr b="0" lang="en-GB" sz="3200" spc="-1" strike="noStrike">
+              <a:latin typeface="Arial"/>
+            </a:endParaRPr>
+          </a:p>
+          <a:p>
+            <a:pPr lvl="1" marL="864000" indent="-324000">
               <a:spcBef>
-                <a:spcPts val="1001"/>
+                <a:spcPts val="1134"/>
               </a:spcBef>
               <a:buClr>
-                <a:srgbClr val="90c226"/>
+                <a:srgbClr val="000000"/>
               </a:buClr>
-              <a:buSzPct val="80000"/>
-              <a:buFont typeface="Wingdings 3" charset="2"/>
-              <a:buChar char=""/>
+              <a:buSzPct val="75000"/>
+              <a:buFont typeface="Symbol" charset="2"/>
+              <a:buChar char=""/>
             </a:pPr>
             <a:r>
-              <a:rPr b="0" lang="nl-NL" sz="1800" spc="-1" strike="noStrike">
-                <a:solidFill>
-                  <a:srgbClr val="404040"/>
-                </a:solidFill>
-                <a:latin typeface="Trebuchet MS"/>
+              <a:rPr b="0" lang="en-GB" sz="2800" spc="-1" strike="noStrike">
+                <a:latin typeface="Arial"/>
               </a:rPr>
-              <a:t>Klikken om de tekststijl van het model te bewerken</a:t>
+              <a:t>Second Outline Level</a:t>
             </a:r>
-            <a:endParaRPr b="0" lang="en-US" sz="1800" spc="-1" strike="noStrike">
-              <a:solidFill>
-                <a:srgbClr val="404040"/>
-              </a:solidFill>
-              <a:latin typeface="Trebuchet MS"/>
-            </a:endParaRPr>
-          </a:p>
-          <a:p>
-            <a:pPr lvl="1" marL="743040" indent="-285480">
-              <a:lnSpc>
-                <a:spcPct val="100000"/>
-              </a:lnSpc>
+            <a:endParaRPr b="0" lang="en-GB" sz="2800" spc="-1" strike="noStrike">
+              <a:latin typeface="Arial"/>
+            </a:endParaRPr>
+          </a:p>
+          <a:p>
+            <a:pPr lvl="2" marL="1296000" indent="-288000">
               <a:spcBef>
-                <a:spcPts val="1001"/>
+                <a:spcPts val="850"/>
               </a:spcBef>
               <a:buClr>
-                <a:srgbClr val="90c226"/>
+                <a:srgbClr val="000000"/>
               </a:buClr>
-              <a:buSzPct val="80000"/>
-              <a:buFont typeface="Wingdings 3" charset="2"/>
-              <a:buChar char=""/>
+              <a:buSzPct val="45000"/>
+              <a:buFont typeface="Wingdings" charset="2"/>
+              <a:buChar char=""/>
             </a:pPr>
             <a:r>
-              <a:rPr b="0" lang="nl-NL" sz="1600" spc="-1" strike="noStrike">
-                <a:solidFill>
-                  <a:srgbClr val="404040"/>
-                </a:solidFill>
-                <a:latin typeface="Trebuchet MS"/>
+              <a:rPr b="0" lang="en-GB" sz="2400" spc="-1" strike="noStrike">
+                <a:latin typeface="Arial"/>
               </a:rPr>
-              <a:t>Tweede niveau</a:t>
+              <a:t>Third Outline Level</a:t>
             </a:r>
-            <a:endParaRPr b="0" lang="en-US" sz="1600" spc="-1" strike="noStrike">
-              <a:solidFill>
-                <a:srgbClr val="404040"/>
-              </a:solidFill>
-              <a:latin typeface="Trebuchet MS"/>
-            </a:endParaRPr>
-          </a:p>
-          <a:p>
-            <a:pPr lvl="2" marL="1143000" indent="-228240">
-              <a:lnSpc>
-                <a:spcPct val="100000"/>
-              </a:lnSpc>
+            <a:endParaRPr b="0" lang="en-GB" sz="2400" spc="-1" strike="noStrike">
+              <a:latin typeface="Arial"/>
+            </a:endParaRPr>
+          </a:p>
+          <a:p>
+            <a:pPr lvl="3" marL="1728000" indent="-216000">
               <a:spcBef>
-                <a:spcPts val="1001"/>
+                <a:spcPts val="567"/>
               </a:spcBef>
               <a:buClr>
-                <a:srgbClr val="90c226"/>
+                <a:srgbClr val="000000"/>
               </a:buClr>
-              <a:buSzPct val="80000"/>
-              <a:buFont typeface="Wingdings 3" charset="2"/>
-              <a:buChar char=""/>
+              <a:buSzPct val="75000"/>
+              <a:buFont typeface="Symbol" charset="2"/>
+              <a:buChar char=""/>
             </a:pPr>
             <a:r>
-              <a:rPr b="0" lang="nl-NL" sz="1400" spc="-1" strike="noStrike">
-                <a:solidFill>
-                  <a:srgbClr val="404040"/>
-                </a:solidFill>
-                <a:latin typeface="Trebuchet MS"/>
+              <a:rPr b="0" lang="en-GB" sz="2000" spc="-1" strike="noStrike">
+                <a:latin typeface="Arial"/>
               </a:rPr>
-              <a:t>Derde niveau</a:t>
+              <a:t>Fourth Outline Level</a:t>
             </a:r>
-            <a:endParaRPr b="0" lang="en-US" sz="1400" spc="-1" strike="noStrike">
-              <a:solidFill>
-                <a:srgbClr val="404040"/>
-              </a:solidFill>
-              <a:latin typeface="Trebuchet MS"/>
-            </a:endParaRPr>
-          </a:p>
-          <a:p>
-            <a:pPr lvl="3" marL="1600200" indent="-228240">
-              <a:lnSpc>
-                <a:spcPct val="100000"/>
-              </a:lnSpc>
+            <a:endParaRPr b="0" lang="en-GB" sz="2000" spc="-1" strike="noStrike">
+              <a:latin typeface="Arial"/>
+            </a:endParaRPr>
+          </a:p>
+          <a:p>
+            <a:pPr lvl="4" marL="2160000" indent="-216000">
               <a:spcBef>
-                <a:spcPts val="1001"/>
+                <a:spcPts val="283"/>
               </a:spcBef>
               <a:buClr>
-                <a:srgbClr val="90c226"/>
+                <a:srgbClr val="000000"/>
               </a:buClr>
-              <a:buSzPct val="80000"/>
-              <a:buFont typeface="Wingdings 3" charset="2"/>
-              <a:buChar char=""/>
+              <a:buSzPct val="45000"/>
+              <a:buFont typeface="Wingdings" charset="2"/>
+              <a:buChar char=""/>
             </a:pPr>
             <a:r>
-              <a:rPr b="0" lang="nl-NL" sz="1200" spc="-1" strike="noStrike">
-                <a:solidFill>
-                  <a:srgbClr val="404040"/>
-                </a:solidFill>
-                <a:latin typeface="Trebuchet MS"/>
+              <a:rPr b="0" lang="en-GB" sz="2000" spc="-1" strike="noStrike">
+                <a:latin typeface="Arial"/>
               </a:rPr>
-              <a:t>Vierde niveau</a:t>
+              <a:t>Fifth Outline Level</a:t>
             </a:r>
-            <a:endParaRPr b="0" lang="en-US" sz="1200" spc="-1" strike="noStrike">
-              <a:solidFill>
-                <a:srgbClr val="404040"/>
-              </a:solidFill>
-              <a:latin typeface="Trebuchet MS"/>
-            </a:endParaRPr>
-          </a:p>
-          <a:p>
-            <a:pPr lvl="4" marL="2057400" indent="-228240">
-              <a:lnSpc>
-                <a:spcPct val="100000"/>
-              </a:lnSpc>
+            <a:endParaRPr b="0" lang="en-GB" sz="2000" spc="-1" strike="noStrike">
+              <a:latin typeface="Arial"/>
+            </a:endParaRPr>
+          </a:p>
+          <a:p>
+            <a:pPr lvl="5" marL="2592000" indent="-216000">
               <a:spcBef>
-                <a:spcPts val="1001"/>
+                <a:spcPts val="283"/>
               </a:spcBef>
               <a:buClr>
-                <a:srgbClr val="90c226"/>
+                <a:srgbClr val="000000"/>
               </a:buClr>
-              <a:buSzPct val="80000"/>
-              <a:buFont typeface="Wingdings 3" charset="2"/>
-              <a:buChar char=""/>
+              <a:buSzPct val="45000"/>
+              <a:buFont typeface="Wingdings" charset="2"/>
+              <a:buChar char=""/>
             </a:pPr>
             <a:r>
-              <a:rPr b="0" lang="nl-NL" sz="1200" spc="-1" strike="noStrike">
-                <a:solidFill>
-                  <a:srgbClr val="404040"/>
-                </a:solidFill>
-                <a:latin typeface="Trebuchet MS"/>
+              <a:rPr b="0" lang="en-GB" sz="2000" spc="-1" strike="noStrike">
+                <a:latin typeface="Arial"/>
               </a:rPr>
-              <a:t>Vijfde niveau</a:t>
+              <a:t>Sixth Outline Level</a:t>
             </a:r>
-            <a:endParaRPr b="0" lang="en-US" sz="1200" spc="-1" strike="noStrike">
-              <a:solidFill>
-                <a:srgbClr val="404040"/>
-              </a:solidFill>
-              <a:latin typeface="Trebuchet MS"/>
-            </a:endParaRPr>
-          </a:p>
-        </p:txBody>
-      </p:sp>
-      <p:sp>
-        <p:nvSpPr>
-          <p:cNvPr id="76" name="PlaceHolder 14"/>
-          <p:cNvSpPr>
-            <a:spLocks noGrp="1"/>
-          </p:cNvSpPr>
-          <p:nvPr>
-            <p:ph type="dt"/>
-          </p:nvPr>
-        </p:nvSpPr>
-        <p:spPr>
-          <a:xfrm>
-            <a:off x="7205040" y="6041520"/>
-            <a:ext cx="911520" cy="364680"/>
-          </a:xfrm>
-          <a:prstGeom prst="rect">
-            <a:avLst/>
-          </a:prstGeom>
-        </p:spPr>
-        <p:txBody>
-          <a:bodyPr anchor="ctr">
-            <a:noAutofit/>
-          </a:bodyPr>
-          <a:p>
-            <a:pPr algn="r">
-              <a:lnSpc>
-                <a:spcPct val="100000"/>
-              </a:lnSpc>
+            <a:endParaRPr b="0" lang="en-GB" sz="2000" spc="-1" strike="noStrike">
+              <a:latin typeface="Arial"/>
+            </a:endParaRPr>
+          </a:p>
+          <a:p>
+            <a:pPr lvl="6" marL="3024000" indent="-216000">
+              <a:spcBef>
+                <a:spcPts val="283"/>
+              </a:spcBef>
+              <a:buClr>
+                <a:srgbClr val="000000"/>
+              </a:buClr>
+              <a:buSzPct val="45000"/>
+              <a:buFont typeface="Wingdings" charset="2"/>
+              <a:buChar char=""/>
             </a:pPr>
-            <a:fld id="{81578F14-5B6D-4825-A91A-7D47437D9D7B}" type="datetime">
-              <a:rPr b="0" lang="nl-BE" sz="900" spc="-1" strike="noStrike">
-                <a:solidFill>
-                  <a:srgbClr val="8b8b8b"/>
-                </a:solidFill>
-                <a:latin typeface="Trebuchet MS"/>
+            <a:r>
+              <a:rPr b="0" lang="en-GB" sz="2000" spc="-1" strike="noStrike">
+                <a:latin typeface="Arial"/>
               </a:rPr>
-              <a:t>2/12/21</a:t>
-            </a:fld>
-            <a:endParaRPr b="0" lang="en-GB" sz="900" spc="-1" strike="noStrike">
-              <a:latin typeface="Times New Roman"/>
-            </a:endParaRPr>
-          </a:p>
-        </p:txBody>
-      </p:sp>
-      <p:sp>
-        <p:nvSpPr>
-          <p:cNvPr id="77" name="PlaceHolder 15"/>
-          <p:cNvSpPr>
-            <a:spLocks noGrp="1"/>
-          </p:cNvSpPr>
-          <p:nvPr>
-            <p:ph type="ftr"/>
-          </p:nvPr>
-        </p:nvSpPr>
-        <p:spPr>
-          <a:xfrm>
-            <a:off x="677160" y="6041520"/>
-            <a:ext cx="6297120" cy="364680"/>
-          </a:xfrm>
-          <a:prstGeom prst="rect">
-            <a:avLst/>
-          </a:prstGeom>
-        </p:spPr>
-        <p:txBody>
-          <a:bodyPr anchor="ctr">
-            <a:noAutofit/>
-          </a:bodyPr>
-          <a:p>
-            <a:endParaRPr b="0" lang="en-GB" sz="2400" spc="-1" strike="noStrike">
-              <a:latin typeface="Times New Roman"/>
-            </a:endParaRPr>
-          </a:p>
-        </p:txBody>
-      </p:sp>
-      <p:sp>
-        <p:nvSpPr>
-          <p:cNvPr id="78" name="PlaceHolder 16"/>
-          <p:cNvSpPr>
-            <a:spLocks noGrp="1"/>
-          </p:cNvSpPr>
-          <p:nvPr>
-            <p:ph type="sldNum"/>
-          </p:nvPr>
-        </p:nvSpPr>
-        <p:spPr>
-          <a:xfrm>
-            <a:off x="8590680" y="6041520"/>
-            <a:ext cx="682920" cy="364680"/>
-          </a:xfrm>
-          <a:prstGeom prst="rect">
-            <a:avLst/>
-          </a:prstGeom>
-        </p:spPr>
-        <p:txBody>
-          <a:bodyPr anchor="ctr">
-            <a:noAutofit/>
-          </a:bodyPr>
-          <a:p>
-            <a:pPr algn="r">
-              <a:lnSpc>
-                <a:spcPct val="100000"/>
-              </a:lnSpc>
-            </a:pPr>
-            <a:fld id="{D6FF6257-312E-4CED-98E7-19D46F4E705A}" type="slidenum">
-              <a:rPr b="0" lang="nl-BE" sz="900" spc="-1" strike="noStrike">
-                <a:solidFill>
-                  <a:srgbClr val="90c226"/>
-                </a:solidFill>
-                <a:latin typeface="Trebuchet MS"/>
-              </a:rPr>
-              <a:t>&lt;number&gt;</a:t>
-            </a:fld>
-            <a:endParaRPr b="0" lang="en-GB" sz="900" spc="-1" strike="noStrike">
-              <a:latin typeface="Times New Roman"/>
+              <a:t>Seventh Outline Level</a:t>
+            </a:r>
+            <a:endParaRPr b="0" lang="en-GB" sz="2000" spc="-1" strike="noStrike">
+              <a:latin typeface="Arial"/>
             </a:endParaRPr>
           </a:p>
         </p:txBody>
@@ -5414,14 +4930,14 @@
       </p:grpSpPr>
       <p:sp>
         <p:nvSpPr>
-          <p:cNvPr id="115" name="TextShape 1"/>
-          <p:cNvSpPr txBox="1"/>
+          <p:cNvPr id="109" name="CustomShape 1"/>
+          <p:cNvSpPr/>
           <p:nvPr/>
         </p:nvSpPr>
         <p:spPr>
           <a:xfrm>
             <a:off x="1506960" y="2404440"/>
-            <a:ext cx="7766640" cy="1645920"/>
+            <a:ext cx="7766280" cy="1645560"/>
           </a:xfrm>
           <a:prstGeom prst="rect">
             <a:avLst/>
@@ -5431,8 +4947,14 @@
             <a:noFill/>
           </a:ln>
         </p:spPr>
-        <p:txBody>
-          <a:bodyPr anchor="b">
+        <p:style>
+          <a:lnRef idx="0"/>
+          <a:fillRef idx="0"/>
+          <a:effectRef idx="0"/>
+          <a:fontRef idx="minor"/>
+        </p:style>
+        <p:txBody>
+          <a:bodyPr lIns="90000" rIns="90000" tIns="45000" bIns="45000" anchor="b">
             <a:noAutofit/>
           </a:bodyPr>
           <a:p>
@@ -5450,25 +4972,22 @@
               </a:rPr>
               <a:t>Fleet Project</a:t>
             </a:r>
-            <a:endParaRPr b="0" lang="en-US" sz="5400" spc="-1" strike="noStrike">
-              <a:solidFill>
-                <a:srgbClr val="000000"/>
-              </a:solidFill>
-              <a:latin typeface="Trebuchet MS"/>
-            </a:endParaRPr>
-          </a:p>
-        </p:txBody>
-      </p:sp>
-      <p:sp>
-        <p:nvSpPr>
-          <p:cNvPr id="116" name="TextShape 2"/>
-          <p:cNvSpPr txBox="1"/>
+            <a:endParaRPr b="0" lang="en-GB" sz="5400" spc="-1" strike="noStrike">
+              <a:latin typeface="Arial"/>
+            </a:endParaRPr>
+          </a:p>
+        </p:txBody>
+      </p:sp>
+      <p:sp>
+        <p:nvSpPr>
+          <p:cNvPr id="110" name="CustomShape 2"/>
+          <p:cNvSpPr/>
           <p:nvPr/>
         </p:nvSpPr>
         <p:spPr>
           <a:xfrm>
             <a:off x="1506960" y="4050720"/>
-            <a:ext cx="7766640" cy="1096560"/>
+            <a:ext cx="7766280" cy="1096200"/>
           </a:xfrm>
           <a:prstGeom prst="rect">
             <a:avLst/>
@@ -5478,8 +4997,14 @@
             <a:noFill/>
           </a:ln>
         </p:spPr>
-        <p:txBody>
-          <a:bodyPr>
+        <p:style>
+          <a:lnRef idx="0"/>
+          <a:fillRef idx="0"/>
+          <a:effectRef idx="0"/>
+          <a:fontRef idx="minor"/>
+        </p:style>
+        <p:txBody>
+          <a:bodyPr lIns="90000" rIns="90000" tIns="45000" bIns="45000">
             <a:noAutofit/>
           </a:bodyPr>
           <a:p>
@@ -5501,7 +5026,7 @@
                 </a:solidFill>
                 <a:latin typeface="Trebuchet MS"/>
               </a:rPr>
-              <a:t>25/11/2021</a:t>
+              <a:t>02/12/2021</a:t>
             </a:r>
             <a:endParaRPr b="0" lang="en-GB" sz="1800" spc="-1" strike="noStrike">
               <a:latin typeface="Arial"/>
@@ -5541,14 +5066,14 @@
       </p:grpSpPr>
       <p:sp>
         <p:nvSpPr>
-          <p:cNvPr id="117" name="TextShape 1"/>
-          <p:cNvSpPr txBox="1"/>
+          <p:cNvPr id="111" name="CustomShape 1"/>
+          <p:cNvSpPr/>
           <p:nvPr/>
         </p:nvSpPr>
         <p:spPr>
           <a:xfrm>
             <a:off x="677160" y="609480"/>
-            <a:ext cx="8596440" cy="1320480"/>
+            <a:ext cx="8596080" cy="1320120"/>
           </a:xfrm>
           <a:prstGeom prst="rect">
             <a:avLst/>
@@ -5558,8 +5083,14 @@
             <a:noFill/>
           </a:ln>
         </p:spPr>
-        <p:txBody>
-          <a:bodyPr>
+        <p:style>
+          <a:lnRef idx="0"/>
+          <a:fillRef idx="0"/>
+          <a:effectRef idx="0"/>
+          <a:fontRef idx="minor"/>
+        </p:style>
+        <p:txBody>
+          <a:bodyPr lIns="90000" rIns="90000" tIns="45000" bIns="45000">
             <a:noAutofit/>
           </a:bodyPr>
           <a:p>
@@ -5577,25 +5108,22 @@
               </a:rPr>
               <a:t>Taken uitgevoerd in de huidige periode</a:t>
             </a:r>
-            <a:endParaRPr b="0" lang="en-US" sz="3600" spc="-1" strike="noStrike">
-              <a:solidFill>
-                <a:srgbClr val="000000"/>
-              </a:solidFill>
-              <a:latin typeface="Trebuchet MS"/>
-            </a:endParaRPr>
-          </a:p>
-        </p:txBody>
-      </p:sp>
-      <p:sp>
-        <p:nvSpPr>
-          <p:cNvPr id="118" name="TextShape 2"/>
-          <p:cNvSpPr txBox="1"/>
+            <a:endParaRPr b="0" lang="en-GB" sz="3600" spc="-1" strike="noStrike">
+              <a:latin typeface="Arial"/>
+            </a:endParaRPr>
+          </a:p>
+        </p:txBody>
+      </p:sp>
+      <p:sp>
+        <p:nvSpPr>
+          <p:cNvPr id="112" name="CustomShape 2"/>
+          <p:cNvSpPr/>
           <p:nvPr/>
         </p:nvSpPr>
         <p:spPr>
           <a:xfrm>
             <a:off x="677160" y="2160720"/>
-            <a:ext cx="8596440" cy="3880440"/>
+            <a:ext cx="8596080" cy="3880080"/>
           </a:xfrm>
           <a:prstGeom prst="rect">
             <a:avLst/>
@@ -5605,12 +5133,18 @@
             <a:noFill/>
           </a:ln>
         </p:spPr>
-        <p:txBody>
-          <a:bodyPr>
+        <p:style>
+          <a:lnRef idx="0"/>
+          <a:fillRef idx="0"/>
+          <a:effectRef idx="0"/>
+          <a:fontRef idx="minor"/>
+        </p:style>
+        <p:txBody>
+          <a:bodyPr lIns="90000" rIns="90000" tIns="45000" bIns="45000">
             <a:noAutofit/>
           </a:bodyPr>
           <a:p>
-            <a:pPr marL="343080" indent="-342720">
+            <a:pPr marL="343080" indent="-342360">
               <a:lnSpc>
                 <a:spcPct val="100000"/>
               </a:lnSpc>
@@ -5633,37 +5167,25 @@
               </a:rPr>
               <a:t>Opdrachten deze week uitgevoerd</a:t>
             </a:r>
-            <a:endParaRPr b="0" lang="en-US" sz="1800" spc="-1" strike="noStrike">
-              <a:solidFill>
-                <a:srgbClr val="404040"/>
-              </a:solidFill>
-              <a:latin typeface="Trebuchet MS"/>
-            </a:endParaRPr>
-          </a:p>
-          <a:p>
-            <a:pPr lvl="1" marL="743040" indent="-285480">
+            <a:endParaRPr b="0" lang="en-GB" sz="1800" spc="-1" strike="noStrike">
+              <a:latin typeface="Arial"/>
+            </a:endParaRPr>
+          </a:p>
+          <a:p>
+            <a:pPr>
               <a:lnSpc>
                 <a:spcPct val="100000"/>
               </a:lnSpc>
               <a:spcBef>
                 <a:spcPts val="1001"/>
               </a:spcBef>
-              <a:buClr>
-                <a:srgbClr val="90c226"/>
-              </a:buClr>
-              <a:buSzPct val="80000"/>
-              <a:buFont typeface="Wingdings 3" charset="2"/>
-              <a:buChar char=""/>
             </a:pPr>
-            <a:endParaRPr b="0" lang="en-US" sz="1800" spc="-1" strike="noStrike">
-              <a:solidFill>
-                <a:srgbClr val="404040"/>
-              </a:solidFill>
-              <a:latin typeface="Trebuchet MS"/>
-            </a:endParaRPr>
-          </a:p>
-          <a:p>
-            <a:pPr lvl="2" marL="1143000" indent="-228240">
+            <a:endParaRPr b="0" lang="en-GB" sz="1800" spc="-1" strike="noStrike">
+              <a:latin typeface="Arial"/>
+            </a:endParaRPr>
+          </a:p>
+          <a:p>
+            <a:pPr lvl="2" marL="1143000" indent="-227880">
               <a:lnSpc>
                 <a:spcPct val="100000"/>
               </a:lnSpc>
@@ -5686,23 +5208,22 @@
               </a:rPr>
               <a:t>ADO laag : alle features geïmplementeerd</a:t>
             </a:r>
-            <a:endParaRPr b="0" lang="en-US" sz="1400" spc="-1" strike="noStrike">
-              <a:solidFill>
-                <a:srgbClr val="404040"/>
-              </a:solidFill>
-              <a:latin typeface="Trebuchet MS"/>
-            </a:endParaRPr>
-          </a:p>
-          <a:p>
-            <a:endParaRPr b="0" lang="en-US" sz="1400" spc="-1" strike="noStrike">
-              <a:solidFill>
-                <a:srgbClr val="404040"/>
-              </a:solidFill>
-              <a:latin typeface="Trebuchet MS"/>
-            </a:endParaRPr>
-          </a:p>
-          <a:p>
-            <a:pPr lvl="2" marL="1143000" indent="-228240">
+            <a:endParaRPr b="0" lang="en-GB" sz="1400" spc="-1" strike="noStrike">
+              <a:latin typeface="Arial"/>
+            </a:endParaRPr>
+          </a:p>
+          <a:p>
+            <a:pPr>
+              <a:lnSpc>
+                <a:spcPct val="100000"/>
+              </a:lnSpc>
+            </a:pPr>
+            <a:endParaRPr b="0" lang="en-GB" sz="1400" spc="-1" strike="noStrike">
+              <a:latin typeface="Arial"/>
+            </a:endParaRPr>
+          </a:p>
+          <a:p>
+            <a:pPr lvl="2" marL="1143000" indent="-227880">
               <a:lnSpc>
                 <a:spcPct val="100000"/>
               </a:lnSpc>
@@ -5725,15 +5246,15 @@
               </a:rPr>
               <a:t>Applicatielaag</a:t>
             </a:r>
-            <a:endParaRPr b="0" lang="en-US" sz="1400" spc="-1" strike="noStrike">
-              <a:solidFill>
-                <a:srgbClr val="404040"/>
-              </a:solidFill>
-              <a:latin typeface="Trebuchet MS"/>
-            </a:endParaRPr>
-          </a:p>
-          <a:p>
-            <a:pPr lvl="3" marL="1728000" indent="-216000">
+            <a:endParaRPr b="0" lang="en-GB" sz="1400" spc="-1" strike="noStrike">
+              <a:latin typeface="Arial"/>
+            </a:endParaRPr>
+          </a:p>
+          <a:p>
+            <a:pPr lvl="3" marL="1728000" indent="-215640">
+              <a:lnSpc>
+                <a:spcPct val="100000"/>
+              </a:lnSpc>
               <a:spcBef>
                 <a:spcPts val="567"/>
               </a:spcBef>
@@ -5741,7 +5262,7 @@
                 <a:srgbClr val="000000"/>
               </a:buClr>
               <a:buSzPct val="75000"/>
-              <a:buFont typeface="Symbol" charset="2"/>
+              <a:buFont typeface="Symbol"/>
               <a:buChar char=""/>
             </a:pPr>
             <a:r>
@@ -5753,15 +5274,15 @@
               </a:rPr>
               <a:t>Code behind</a:t>
             </a:r>
-            <a:endParaRPr b="0" lang="en-US" sz="1400" spc="-1" strike="noStrike">
-              <a:solidFill>
-                <a:srgbClr val="404040"/>
-              </a:solidFill>
-              <a:latin typeface="Trebuchet MS"/>
-            </a:endParaRPr>
-          </a:p>
-          <a:p>
-            <a:pPr lvl="4" marL="2160000" indent="-216000">
+            <a:endParaRPr b="0" lang="en-GB" sz="1400" spc="-1" strike="noStrike">
+              <a:latin typeface="Arial"/>
+            </a:endParaRPr>
+          </a:p>
+          <a:p>
+            <a:pPr lvl="4" marL="2160000" indent="-215640">
+              <a:lnSpc>
+                <a:spcPct val="100000"/>
+              </a:lnSpc>
               <a:spcBef>
                 <a:spcPts val="283"/>
               </a:spcBef>
@@ -5781,15 +5302,15 @@
               </a:rPr>
               <a:t>MainWindow (Tab Bestuurder)</a:t>
             </a:r>
-            <a:endParaRPr b="0" lang="en-US" sz="1400" spc="-1" strike="noStrike">
-              <a:solidFill>
-                <a:srgbClr val="404040"/>
-              </a:solidFill>
-              <a:latin typeface="Trebuchet MS"/>
-            </a:endParaRPr>
-          </a:p>
-          <a:p>
-            <a:pPr lvl="4" marL="2160000" indent="-216000">
+            <a:endParaRPr b="0" lang="en-GB" sz="1400" spc="-1" strike="noStrike">
+              <a:latin typeface="Arial"/>
+            </a:endParaRPr>
+          </a:p>
+          <a:p>
+            <a:pPr lvl="4" marL="2160000" indent="-215640">
+              <a:lnSpc>
+                <a:spcPct val="100000"/>
+              </a:lnSpc>
               <a:spcBef>
                 <a:spcPts val="283"/>
               </a:spcBef>
@@ -5809,15 +5330,15 @@
               </a:rPr>
               <a:t>VoertuigToevoegen </a:t>
             </a:r>
-            <a:endParaRPr b="0" lang="en-US" sz="1400" spc="-1" strike="noStrike">
-              <a:solidFill>
-                <a:srgbClr val="404040"/>
-              </a:solidFill>
-              <a:latin typeface="Trebuchet MS"/>
-            </a:endParaRPr>
-          </a:p>
-          <a:p>
-            <a:pPr lvl="3" marL="1728000" indent="-216000">
+            <a:endParaRPr b="0" lang="en-GB" sz="1400" spc="-1" strike="noStrike">
+              <a:latin typeface="Arial"/>
+            </a:endParaRPr>
+          </a:p>
+          <a:p>
+            <a:pPr lvl="3" marL="1728000" indent="-215640">
+              <a:lnSpc>
+                <a:spcPct val="100000"/>
+              </a:lnSpc>
               <a:spcBef>
                 <a:spcPts val="567"/>
               </a:spcBef>
@@ -5825,7 +5346,7 @@
                 <a:srgbClr val="000000"/>
               </a:buClr>
               <a:buSzPct val="75000"/>
-              <a:buFont typeface="Symbol" charset="2"/>
+              <a:buFont typeface="Symbol"/>
               <a:buChar char=""/>
             </a:pPr>
             <a:r>
@@ -5837,15 +5358,15 @@
               </a:rPr>
               <a:t>Design geïmplementeerd:</a:t>
             </a:r>
-            <a:endParaRPr b="0" lang="en-US" sz="1400" spc="-1" strike="noStrike">
-              <a:solidFill>
-                <a:srgbClr val="404040"/>
-              </a:solidFill>
-              <a:latin typeface="Trebuchet MS"/>
-            </a:endParaRPr>
-          </a:p>
-          <a:p>
-            <a:pPr lvl="4" marL="2160000" indent="-216000">
+            <a:endParaRPr b="0" lang="en-GB" sz="1400" spc="-1" strike="noStrike">
+              <a:latin typeface="Arial"/>
+            </a:endParaRPr>
+          </a:p>
+          <a:p>
+            <a:pPr lvl="4" marL="2160000" indent="-215640">
+              <a:lnSpc>
+                <a:spcPct val="100000"/>
+              </a:lnSpc>
               <a:spcBef>
                 <a:spcPts val="283"/>
               </a:spcBef>
@@ -5865,15 +5386,15 @@
               </a:rPr>
               <a:t>MainWindow (Tab Bestuurder)</a:t>
             </a:r>
-            <a:endParaRPr b="0" lang="en-US" sz="1400" spc="-1" strike="noStrike">
-              <a:solidFill>
-                <a:srgbClr val="404040"/>
-              </a:solidFill>
-              <a:latin typeface="Trebuchet MS"/>
-            </a:endParaRPr>
-          </a:p>
-          <a:p>
-            <a:pPr lvl="4" marL="2160000" indent="-216000">
+            <a:endParaRPr b="0" lang="en-GB" sz="1400" spc="-1" strike="noStrike">
+              <a:latin typeface="Arial"/>
+            </a:endParaRPr>
+          </a:p>
+          <a:p>
+            <a:pPr lvl="4" marL="2160000" indent="-215640">
+              <a:lnSpc>
+                <a:spcPct val="100000"/>
+              </a:lnSpc>
               <a:spcBef>
                 <a:spcPts val="283"/>
               </a:spcBef>
@@ -5893,15 +5414,15 @@
               </a:rPr>
               <a:t>BestuurderToevoegen</a:t>
             </a:r>
-            <a:endParaRPr b="0" lang="en-US" sz="1400" spc="-1" strike="noStrike">
-              <a:solidFill>
-                <a:srgbClr val="404040"/>
-              </a:solidFill>
-              <a:latin typeface="Trebuchet MS"/>
-            </a:endParaRPr>
-          </a:p>
-          <a:p>
-            <a:pPr lvl="4" marL="2160000" indent="-216000">
+            <a:endParaRPr b="0" lang="en-GB" sz="1400" spc="-1" strike="noStrike">
+              <a:latin typeface="Arial"/>
+            </a:endParaRPr>
+          </a:p>
+          <a:p>
+            <a:pPr lvl="4" marL="2160000" indent="-215640">
+              <a:lnSpc>
+                <a:spcPct val="100000"/>
+              </a:lnSpc>
               <a:spcBef>
                 <a:spcPts val="283"/>
               </a:spcBef>
@@ -5921,15 +5442,15 @@
               </a:rPr>
               <a:t>BestuurderAanpassen</a:t>
             </a:r>
-            <a:endParaRPr b="0" lang="en-US" sz="1400" spc="-1" strike="noStrike">
-              <a:solidFill>
-                <a:srgbClr val="404040"/>
-              </a:solidFill>
-              <a:latin typeface="Trebuchet MS"/>
-            </a:endParaRPr>
-          </a:p>
-          <a:p>
-            <a:pPr lvl="4" marL="2160000" indent="-216000">
+            <a:endParaRPr b="0" lang="en-GB" sz="1400" spc="-1" strike="noStrike">
+              <a:latin typeface="Arial"/>
+            </a:endParaRPr>
+          </a:p>
+          <a:p>
+            <a:pPr lvl="4" marL="2160000" indent="-215640">
+              <a:lnSpc>
+                <a:spcPct val="100000"/>
+              </a:lnSpc>
               <a:spcBef>
                 <a:spcPts val="283"/>
               </a:spcBef>
@@ -5949,30 +5470,21 @@
               </a:rPr>
               <a:t>VoertuigToevoegen</a:t>
             </a:r>
-            <a:endParaRPr b="0" lang="en-US" sz="1400" spc="-1" strike="noStrike">
-              <a:solidFill>
-                <a:srgbClr val="404040"/>
-              </a:solidFill>
-              <a:latin typeface="Trebuchet MS"/>
-            </a:endParaRPr>
-          </a:p>
-          <a:p>
-            <a:pPr lvl="4" marL="2160000" indent="-216000">
+            <a:endParaRPr b="0" lang="en-GB" sz="1400" spc="-1" strike="noStrike">
+              <a:latin typeface="Arial"/>
+            </a:endParaRPr>
+          </a:p>
+          <a:p>
+            <a:pPr>
+              <a:lnSpc>
+                <a:spcPct val="100000"/>
+              </a:lnSpc>
               <a:spcBef>
                 <a:spcPts val="283"/>
               </a:spcBef>
-              <a:buClr>
-                <a:srgbClr val="000000"/>
-              </a:buClr>
-              <a:buSzPct val="45000"/>
-              <a:buFont typeface="Wingdings" charset="2"/>
-              <a:buChar char=""/>
             </a:pPr>
-            <a:endParaRPr b="0" lang="en-US" sz="1400" spc="-1" strike="noStrike">
-              <a:solidFill>
-                <a:srgbClr val="404040"/>
-              </a:solidFill>
-              <a:latin typeface="Trebuchet MS"/>
+            <a:endParaRPr b="0" lang="en-GB" sz="1400" spc="-1" strike="noStrike">
+              <a:latin typeface="Arial"/>
             </a:endParaRPr>
           </a:p>
         </p:txBody>
@@ -6009,14 +5521,14 @@
       </p:grpSpPr>
       <p:sp>
         <p:nvSpPr>
-          <p:cNvPr id="119" name="TextShape 1"/>
-          <p:cNvSpPr txBox="1"/>
+          <p:cNvPr id="113" name="CustomShape 1"/>
+          <p:cNvSpPr/>
           <p:nvPr/>
         </p:nvSpPr>
         <p:spPr>
           <a:xfrm>
             <a:off x="677160" y="609480"/>
-            <a:ext cx="8596440" cy="1320480"/>
+            <a:ext cx="8596080" cy="1320120"/>
           </a:xfrm>
           <a:prstGeom prst="rect">
             <a:avLst/>
@@ -6026,8 +5538,14 @@
             <a:noFill/>
           </a:ln>
         </p:spPr>
-        <p:txBody>
-          <a:bodyPr>
+        <p:style>
+          <a:lnRef idx="0"/>
+          <a:fillRef idx="0"/>
+          <a:effectRef idx="0"/>
+          <a:fontRef idx="minor"/>
+        </p:style>
+        <p:txBody>
+          <a:bodyPr lIns="90000" rIns="90000" tIns="45000" bIns="45000">
             <a:noAutofit/>
           </a:bodyPr>
           <a:p>
@@ -6045,25 +5563,22 @@
               </a:rPr>
               <a:t>Taken voor de volgende periode</a:t>
             </a:r>
-            <a:endParaRPr b="0" lang="en-US" sz="3600" spc="-1" strike="noStrike">
-              <a:solidFill>
-                <a:srgbClr val="000000"/>
-              </a:solidFill>
-              <a:latin typeface="Trebuchet MS"/>
-            </a:endParaRPr>
-          </a:p>
-        </p:txBody>
-      </p:sp>
-      <p:sp>
-        <p:nvSpPr>
-          <p:cNvPr id="120" name="TextShape 2"/>
-          <p:cNvSpPr txBox="1"/>
+            <a:endParaRPr b="0" lang="en-GB" sz="3600" spc="-1" strike="noStrike">
+              <a:latin typeface="Arial"/>
+            </a:endParaRPr>
+          </a:p>
+        </p:txBody>
+      </p:sp>
+      <p:sp>
+        <p:nvSpPr>
+          <p:cNvPr id="114" name="CustomShape 2"/>
+          <p:cNvSpPr/>
           <p:nvPr/>
         </p:nvSpPr>
         <p:spPr>
           <a:xfrm>
             <a:off x="677160" y="2160720"/>
-            <a:ext cx="8596440" cy="3880440"/>
+            <a:ext cx="8596080" cy="3880080"/>
           </a:xfrm>
           <a:prstGeom prst="rect">
             <a:avLst/>
@@ -6073,42 +5588,41 @@
             <a:noFill/>
           </a:ln>
         </p:spPr>
-        <p:txBody>
-          <a:bodyPr>
+        <p:style>
+          <a:lnRef idx="0"/>
+          <a:fillRef idx="0"/>
+          <a:effectRef idx="0"/>
+          <a:fontRef idx="minor"/>
+        </p:style>
+        <p:txBody>
+          <a:bodyPr lIns="90000" rIns="90000" tIns="45000" bIns="45000">
             <a:noAutofit/>
           </a:bodyPr>
           <a:p>
-            <a:pPr lvl="1" marL="743040" indent="-285480">
+            <a:pPr>
               <a:lnSpc>
                 <a:spcPct val="100000"/>
               </a:lnSpc>
               <a:spcBef>
                 <a:spcPts val="1001"/>
               </a:spcBef>
-              <a:buClr>
-                <a:srgbClr val="90c226"/>
-              </a:buClr>
-              <a:buSzPct val="80000"/>
-              <a:buFont typeface="Wingdings 3" charset="2"/>
-              <a:buChar char=""/>
             </a:pPr>
-            <a:endParaRPr b="0" lang="en-US" sz="1400" spc="-1" strike="noStrike">
-              <a:solidFill>
-                <a:srgbClr val="404040"/>
-              </a:solidFill>
-              <a:latin typeface="Trebuchet MS"/>
-            </a:endParaRPr>
-          </a:p>
-          <a:p>
-            <a:endParaRPr b="0" lang="en-US" sz="1800" spc="-1" strike="noStrike">
-              <a:solidFill>
-                <a:srgbClr val="404040"/>
-              </a:solidFill>
-              <a:latin typeface="Trebuchet MS"/>
-            </a:endParaRPr>
-          </a:p>
-          <a:p>
-            <a:pPr lvl="1" marL="743040" indent="-285480">
+            <a:endParaRPr b="0" lang="en-GB" sz="1800" spc="-1" strike="noStrike">
+              <a:latin typeface="Arial"/>
+            </a:endParaRPr>
+          </a:p>
+          <a:p>
+            <a:pPr>
+              <a:lnSpc>
+                <a:spcPct val="100000"/>
+              </a:lnSpc>
+            </a:pPr>
+            <a:endParaRPr b="0" lang="en-GB" sz="1800" spc="-1" strike="noStrike">
+              <a:latin typeface="Arial"/>
+            </a:endParaRPr>
+          </a:p>
+          <a:p>
+            <a:pPr lvl="1" marL="743040" indent="-285120">
               <a:lnSpc>
                 <a:spcPct val="100000"/>
               </a:lnSpc>
@@ -6131,15 +5645,12 @@
               </a:rPr>
               <a:t>User Interface</a:t>
             </a:r>
-            <a:endParaRPr b="0" lang="en-US" sz="1600" spc="-1" strike="noStrike">
-              <a:solidFill>
-                <a:srgbClr val="404040"/>
-              </a:solidFill>
-              <a:latin typeface="Trebuchet MS"/>
-            </a:endParaRPr>
-          </a:p>
-          <a:p>
-            <a:pPr lvl="2" marL="1143000" indent="-228240">
+            <a:endParaRPr b="0" lang="en-GB" sz="1600" spc="-1" strike="noStrike">
+              <a:latin typeface="Arial"/>
+            </a:endParaRPr>
+          </a:p>
+          <a:p>
+            <a:pPr lvl="2" marL="1143000" indent="-227880">
               <a:lnSpc>
                 <a:spcPct val="100000"/>
               </a:lnSpc>
@@ -6162,15 +5673,12 @@
               </a:rPr>
               <a:t>Verdere implementatie VoertuigToevoegen</a:t>
             </a:r>
-            <a:endParaRPr b="0" lang="en-US" sz="1400" spc="-1" strike="noStrike">
-              <a:solidFill>
-                <a:srgbClr val="404040"/>
-              </a:solidFill>
-              <a:latin typeface="Trebuchet MS"/>
-            </a:endParaRPr>
-          </a:p>
-          <a:p>
-            <a:pPr lvl="2" marL="1143000" indent="-228240">
+            <a:endParaRPr b="0" lang="en-GB" sz="1400" spc="-1" strike="noStrike">
+              <a:latin typeface="Arial"/>
+            </a:endParaRPr>
+          </a:p>
+          <a:p>
+            <a:pPr lvl="2" marL="1143000" indent="-227880">
               <a:lnSpc>
                 <a:spcPct val="100000"/>
               </a:lnSpc>
@@ -6193,15 +5701,15 @@
               </a:rPr>
               <a:t>Design Implementatie</a:t>
             </a:r>
-            <a:endParaRPr b="0" lang="en-US" sz="1400" spc="-1" strike="noStrike">
-              <a:solidFill>
-                <a:srgbClr val="404040"/>
-              </a:solidFill>
-              <a:latin typeface="Trebuchet MS"/>
-            </a:endParaRPr>
-          </a:p>
-          <a:p>
-            <a:pPr lvl="3" marL="1728000" indent="-216000">
+            <a:endParaRPr b="0" lang="en-GB" sz="1400" spc="-1" strike="noStrike">
+              <a:latin typeface="Arial"/>
+            </a:endParaRPr>
+          </a:p>
+          <a:p>
+            <a:pPr lvl="3" marL="1728000" indent="-215640">
+              <a:lnSpc>
+                <a:spcPct val="100000"/>
+              </a:lnSpc>
               <a:spcBef>
                 <a:spcPts val="567"/>
               </a:spcBef>
@@ -6209,7 +5717,7 @@
                 <a:srgbClr val="000000"/>
               </a:buClr>
               <a:buSzPct val="75000"/>
-              <a:buFont typeface="Symbol" charset="2"/>
+              <a:buFont typeface="Symbol"/>
               <a:buChar char=""/>
             </a:pPr>
             <a:r>
@@ -6221,15 +5729,15 @@
               </a:rPr>
               <a:t>MainWindow VoertuigTab</a:t>
             </a:r>
-            <a:endParaRPr b="0" lang="en-US" sz="1400" spc="-1" strike="noStrike">
-              <a:solidFill>
-                <a:srgbClr val="404040"/>
-              </a:solidFill>
-              <a:latin typeface="Trebuchet MS"/>
-            </a:endParaRPr>
-          </a:p>
-          <a:p>
-            <a:pPr lvl="3" marL="1728000" indent="-216000">
+            <a:endParaRPr b="0" lang="en-GB" sz="1400" spc="-1" strike="noStrike">
+              <a:latin typeface="Arial"/>
+            </a:endParaRPr>
+          </a:p>
+          <a:p>
+            <a:pPr lvl="3" marL="1728000" indent="-215640">
+              <a:lnSpc>
+                <a:spcPct val="100000"/>
+              </a:lnSpc>
               <a:spcBef>
                 <a:spcPts val="567"/>
               </a:spcBef>
@@ -6237,7 +5745,7 @@
                 <a:srgbClr val="000000"/>
               </a:buClr>
               <a:buSzPct val="75000"/>
-              <a:buFont typeface="Symbol" charset="2"/>
+              <a:buFont typeface="Symbol"/>
               <a:buChar char=""/>
             </a:pPr>
             <a:r>
@@ -6249,15 +5757,12 @@
               </a:rPr>
               <a:t>BestuurderDetails</a:t>
             </a:r>
-            <a:endParaRPr b="0" lang="en-US" sz="1400" spc="-1" strike="noStrike">
-              <a:solidFill>
-                <a:srgbClr val="404040"/>
-              </a:solidFill>
-              <a:latin typeface="Trebuchet MS"/>
-            </a:endParaRPr>
-          </a:p>
-          <a:p>
-            <a:pPr lvl="2" marL="1143000" indent="-228240">
+            <a:endParaRPr b="0" lang="en-GB" sz="1400" spc="-1" strike="noStrike">
+              <a:latin typeface="Arial"/>
+            </a:endParaRPr>
+          </a:p>
+          <a:p>
+            <a:pPr lvl="2" marL="1143000" indent="-227880">
               <a:lnSpc>
                 <a:spcPct val="100000"/>
               </a:lnSpc>
@@ -6280,15 +5785,15 @@
               </a:rPr>
               <a:t>Code Behind </a:t>
             </a:r>
-            <a:endParaRPr b="0" lang="en-US" sz="1400" spc="-1" strike="noStrike">
-              <a:solidFill>
-                <a:srgbClr val="404040"/>
-              </a:solidFill>
-              <a:latin typeface="Trebuchet MS"/>
-            </a:endParaRPr>
-          </a:p>
-          <a:p>
-            <a:pPr lvl="3" marL="1728000" indent="-216000">
+            <a:endParaRPr b="0" lang="en-GB" sz="1400" spc="-1" strike="noStrike">
+              <a:latin typeface="Arial"/>
+            </a:endParaRPr>
+          </a:p>
+          <a:p>
+            <a:pPr lvl="3" marL="1728000" indent="-215640">
+              <a:lnSpc>
+                <a:spcPct val="100000"/>
+              </a:lnSpc>
               <a:spcBef>
                 <a:spcPts val="567"/>
               </a:spcBef>
@@ -6296,7 +5801,7 @@
                 <a:srgbClr val="000000"/>
               </a:buClr>
               <a:buSzPct val="75000"/>
-              <a:buFont typeface="Symbol" charset="2"/>
+              <a:buFont typeface="Symbol"/>
               <a:buChar char=""/>
             </a:pPr>
             <a:r>
@@ -6308,15 +5813,15 @@
               </a:rPr>
               <a:t>BestuurderToevoegen </a:t>
             </a:r>
-            <a:endParaRPr b="0" lang="en-US" sz="1400" spc="-1" strike="noStrike">
-              <a:solidFill>
-                <a:srgbClr val="404040"/>
-              </a:solidFill>
-              <a:latin typeface="Trebuchet MS"/>
-            </a:endParaRPr>
-          </a:p>
-          <a:p>
-            <a:pPr lvl="3" marL="1728000" indent="-216000">
+            <a:endParaRPr b="0" lang="en-GB" sz="1400" spc="-1" strike="noStrike">
+              <a:latin typeface="Arial"/>
+            </a:endParaRPr>
+          </a:p>
+          <a:p>
+            <a:pPr lvl="3" marL="1728000" indent="-215640">
+              <a:lnSpc>
+                <a:spcPct val="100000"/>
+              </a:lnSpc>
               <a:spcBef>
                 <a:spcPts val="567"/>
               </a:spcBef>
@@ -6324,7 +5829,7 @@
                 <a:srgbClr val="000000"/>
               </a:buClr>
               <a:buSzPct val="75000"/>
-              <a:buFont typeface="Symbol" charset="2"/>
+              <a:buFont typeface="Symbol"/>
               <a:buChar char=""/>
             </a:pPr>
             <a:r>
@@ -6336,27 +5841,28 @@
               </a:rPr>
               <a:t>BestuurderAanpassen</a:t>
             </a:r>
-            <a:endParaRPr b="0" lang="en-US" sz="1400" spc="-1" strike="noStrike">
-              <a:solidFill>
-                <a:srgbClr val="404040"/>
-              </a:solidFill>
-              <a:latin typeface="Trebuchet MS"/>
-            </a:endParaRPr>
-          </a:p>
-          <a:p>
-            <a:endParaRPr b="0" lang="en-US" sz="1400" spc="-1" strike="noStrike">
-              <a:solidFill>
-                <a:srgbClr val="404040"/>
-              </a:solidFill>
-              <a:latin typeface="Trebuchet MS"/>
-            </a:endParaRPr>
-          </a:p>
-          <a:p>
-            <a:endParaRPr b="0" lang="en-US" sz="1400" spc="-1" strike="noStrike">
-              <a:solidFill>
-                <a:srgbClr val="404040"/>
-              </a:solidFill>
-              <a:latin typeface="Trebuchet MS"/>
+            <a:endParaRPr b="0" lang="en-GB" sz="1400" spc="-1" strike="noStrike">
+              <a:latin typeface="Arial"/>
+            </a:endParaRPr>
+          </a:p>
+          <a:p>
+            <a:pPr>
+              <a:lnSpc>
+                <a:spcPct val="100000"/>
+              </a:lnSpc>
+            </a:pPr>
+            <a:endParaRPr b="0" lang="en-GB" sz="1400" spc="-1" strike="noStrike">
+              <a:latin typeface="Arial"/>
+            </a:endParaRPr>
+          </a:p>
+          <a:p>
+            <a:pPr>
+              <a:lnSpc>
+                <a:spcPct val="100000"/>
+              </a:lnSpc>
+            </a:pPr>
+            <a:endParaRPr b="0" lang="en-GB" sz="1400" spc="-1" strike="noStrike">
+              <a:latin typeface="Arial"/>
             </a:endParaRPr>
           </a:p>
         </p:txBody>
